--- a/Lecture 3/Lecture 3.pptx
+++ b/Lecture 3/Lecture 3.pptx
@@ -5,10 +5,10 @@
     <p:sldMasterId id="2147483678" r:id="rId1"/>
   </p:sldMasterIdLst>
   <p:notesMasterIdLst>
-    <p:notesMasterId r:id="rId28"/>
+    <p:notesMasterId r:id="rId31"/>
   </p:notesMasterIdLst>
   <p:handoutMasterIdLst>
-    <p:handoutMasterId r:id="rId29"/>
+    <p:handoutMasterId r:id="rId32"/>
   </p:handoutMasterIdLst>
   <p:sldIdLst>
     <p:sldId id="350" r:id="rId2"/>
@@ -35,8 +35,11 @@
     <p:sldId id="322" r:id="rId23"/>
     <p:sldId id="323" r:id="rId24"/>
     <p:sldId id="358" r:id="rId25"/>
-    <p:sldId id="351" r:id="rId26"/>
-    <p:sldId id="324" r:id="rId27"/>
+    <p:sldId id="359" r:id="rId26"/>
+    <p:sldId id="360" r:id="rId27"/>
+    <p:sldId id="362" r:id="rId28"/>
+    <p:sldId id="361" r:id="rId29"/>
+    <p:sldId id="324" r:id="rId30"/>
   </p:sldIdLst>
   <p:sldSz cx="9144000" cy="6858000" type="screen4x3"/>
   <p:notesSz cx="6858000" cy="9144000"/>
@@ -253,14 +256,14 @@
           </a:ln>
           <a:extLst>
             <a:ext uri="{909E8E84-426E-40dd-AFC4-6F175D3DCCD1}">
-              <a14:hiddenFill xmlns="" xmlns:a14="http://schemas.microsoft.com/office/drawing/2010/main">
+              <a14:hiddenFill xmlns:a14="http://schemas.microsoft.com/office/drawing/2010/main" xmlns="">
                 <a:solidFill>
                   <a:schemeClr val="accent1"/>
                 </a:solidFill>
               </a14:hiddenFill>
             </a:ext>
             <a:ext uri="{91240B29-F687-4f45-9708-019B960494DF}">
-              <a14:hiddenLine xmlns="" xmlns:a14="http://schemas.microsoft.com/office/drawing/2010/main" w="9525">
+              <a14:hiddenLine xmlns:a14="http://schemas.microsoft.com/office/drawing/2010/main" xmlns="" w="9525">
                 <a:solidFill>
                   <a:schemeClr val="tx1"/>
                 </a:solidFill>
@@ -270,7 +273,7 @@
               </a14:hiddenLine>
             </a:ext>
             <a:ext uri="{FAA26D3D-D897-4be2-8F04-BA451C77F1D7}">
-              <ma14:placeholderFlag xmlns="" xmlns:ma14="http://schemas.microsoft.com/office/mac/drawingml/2011/main" val="1"/>
+              <ma14:placeholderFlag xmlns:ma14="http://schemas.microsoft.com/office/mac/drawingml/2011/main" xmlns="" val="1"/>
             </a:ext>
           </a:extLst>
         </p:spPr>
@@ -330,14 +333,14 @@
           </a:ln>
           <a:extLst>
             <a:ext uri="{909E8E84-426E-40dd-AFC4-6F175D3DCCD1}">
-              <a14:hiddenFill xmlns="" xmlns:a14="http://schemas.microsoft.com/office/drawing/2010/main">
+              <a14:hiddenFill xmlns:a14="http://schemas.microsoft.com/office/drawing/2010/main" xmlns="">
                 <a:solidFill>
                   <a:schemeClr val="accent1"/>
                 </a:solidFill>
               </a14:hiddenFill>
             </a:ext>
             <a:ext uri="{91240B29-F687-4f45-9708-019B960494DF}">
-              <a14:hiddenLine xmlns="" xmlns:a14="http://schemas.microsoft.com/office/drawing/2010/main" w="9525">
+              <a14:hiddenLine xmlns:a14="http://schemas.microsoft.com/office/drawing/2010/main" xmlns="" w="9525">
                 <a:solidFill>
                   <a:schemeClr val="tx1"/>
                 </a:solidFill>
@@ -347,7 +350,7 @@
               </a14:hiddenLine>
             </a:ext>
             <a:ext uri="{FAA26D3D-D897-4be2-8F04-BA451C77F1D7}">
-              <ma14:placeholderFlag xmlns="" xmlns:ma14="http://schemas.microsoft.com/office/mac/drawingml/2011/main" val="1"/>
+              <ma14:placeholderFlag xmlns:ma14="http://schemas.microsoft.com/office/mac/drawingml/2011/main" xmlns="" val="1"/>
             </a:ext>
           </a:extLst>
         </p:spPr>
@@ -407,14 +410,14 @@
           </a:ln>
           <a:extLst>
             <a:ext uri="{909E8E84-426E-40dd-AFC4-6F175D3DCCD1}">
-              <a14:hiddenFill xmlns="" xmlns:a14="http://schemas.microsoft.com/office/drawing/2010/main">
+              <a14:hiddenFill xmlns:a14="http://schemas.microsoft.com/office/drawing/2010/main" xmlns="">
                 <a:solidFill>
                   <a:schemeClr val="accent1"/>
                 </a:solidFill>
               </a14:hiddenFill>
             </a:ext>
             <a:ext uri="{91240B29-F687-4f45-9708-019B960494DF}">
-              <a14:hiddenLine xmlns="" xmlns:a14="http://schemas.microsoft.com/office/drawing/2010/main" w="9525">
+              <a14:hiddenLine xmlns:a14="http://schemas.microsoft.com/office/drawing/2010/main" xmlns="" w="9525">
                 <a:solidFill>
                   <a:schemeClr val="tx1"/>
                 </a:solidFill>
@@ -424,7 +427,7 @@
               </a14:hiddenLine>
             </a:ext>
             <a:ext uri="{FAA26D3D-D897-4be2-8F04-BA451C77F1D7}">
-              <ma14:placeholderFlag xmlns="" xmlns:ma14="http://schemas.microsoft.com/office/mac/drawingml/2011/main" val="1"/>
+              <ma14:placeholderFlag xmlns:ma14="http://schemas.microsoft.com/office/mac/drawingml/2011/main" xmlns="" val="1"/>
             </a:ext>
           </a:extLst>
         </p:spPr>
@@ -484,14 +487,14 @@
           </a:ln>
           <a:extLst>
             <a:ext uri="{909E8E84-426E-40dd-AFC4-6F175D3DCCD1}">
-              <a14:hiddenFill xmlns="" xmlns:a14="http://schemas.microsoft.com/office/drawing/2010/main">
+              <a14:hiddenFill xmlns:a14="http://schemas.microsoft.com/office/drawing/2010/main" xmlns="">
                 <a:solidFill>
                   <a:schemeClr val="accent1"/>
                 </a:solidFill>
               </a14:hiddenFill>
             </a:ext>
             <a:ext uri="{91240B29-F687-4f45-9708-019B960494DF}">
-              <a14:hiddenLine xmlns="" xmlns:a14="http://schemas.microsoft.com/office/drawing/2010/main" w="9525">
+              <a14:hiddenLine xmlns:a14="http://schemas.microsoft.com/office/drawing/2010/main" xmlns="" w="9525">
                 <a:solidFill>
                   <a:schemeClr val="tx1"/>
                 </a:solidFill>
@@ -501,7 +504,7 @@
               </a14:hiddenLine>
             </a:ext>
             <a:ext uri="{FAA26D3D-D897-4be2-8F04-BA451C77F1D7}">
-              <ma14:placeholderFlag xmlns="" xmlns:ma14="http://schemas.microsoft.com/office/mac/drawingml/2011/main" val="1"/>
+              <ma14:placeholderFlag xmlns:ma14="http://schemas.microsoft.com/office/mac/drawingml/2011/main" xmlns="" val="1"/>
             </a:ext>
           </a:extLst>
         </p:spPr>
@@ -597,14 +600,14 @@
           </a:ln>
           <a:extLst>
             <a:ext uri="{909E8E84-426E-40dd-AFC4-6F175D3DCCD1}">
-              <a14:hiddenFill xmlns="" xmlns:a14="http://schemas.microsoft.com/office/drawing/2010/main">
+              <a14:hiddenFill xmlns:a14="http://schemas.microsoft.com/office/drawing/2010/main" xmlns="">
                 <a:solidFill>
                   <a:schemeClr val="accent1"/>
                 </a:solidFill>
               </a14:hiddenFill>
             </a:ext>
             <a:ext uri="{91240B29-F687-4f45-9708-019B960494DF}">
-              <a14:hiddenLine xmlns="" xmlns:a14="http://schemas.microsoft.com/office/drawing/2010/main" w="9525">
+              <a14:hiddenLine xmlns:a14="http://schemas.microsoft.com/office/drawing/2010/main" xmlns="" w="9525">
                 <a:solidFill>
                   <a:schemeClr val="tx1"/>
                 </a:solidFill>
@@ -614,7 +617,7 @@
               </a14:hiddenLine>
             </a:ext>
             <a:ext uri="{FAA26D3D-D897-4be2-8F04-BA451C77F1D7}">
-              <ma14:placeholderFlag xmlns="" xmlns:ma14="http://schemas.microsoft.com/office/mac/drawingml/2011/main" val="1"/>
+              <ma14:placeholderFlag xmlns:ma14="http://schemas.microsoft.com/office/mac/drawingml/2011/main" xmlns="" val="1"/>
             </a:ext>
           </a:extLst>
         </p:spPr>
@@ -674,14 +677,14 @@
           </a:ln>
           <a:extLst>
             <a:ext uri="{909E8E84-426E-40dd-AFC4-6F175D3DCCD1}">
-              <a14:hiddenFill xmlns="" xmlns:a14="http://schemas.microsoft.com/office/drawing/2010/main">
+              <a14:hiddenFill xmlns:a14="http://schemas.microsoft.com/office/drawing/2010/main" xmlns="">
                 <a:solidFill>
                   <a:schemeClr val="accent1"/>
                 </a:solidFill>
               </a14:hiddenFill>
             </a:ext>
             <a:ext uri="{91240B29-F687-4f45-9708-019B960494DF}">
-              <a14:hiddenLine xmlns="" xmlns:a14="http://schemas.microsoft.com/office/drawing/2010/main" w="9525">
+              <a14:hiddenLine xmlns:a14="http://schemas.microsoft.com/office/drawing/2010/main" xmlns="" w="9525">
                 <a:solidFill>
                   <a:schemeClr val="tx1"/>
                 </a:solidFill>
@@ -691,7 +694,7 @@
               </a14:hiddenLine>
             </a:ext>
             <a:ext uri="{FAA26D3D-D897-4be2-8F04-BA451C77F1D7}">
-              <ma14:placeholderFlag xmlns="" xmlns:ma14="http://schemas.microsoft.com/office/mac/drawingml/2011/main" val="1"/>
+              <ma14:placeholderFlag xmlns:ma14="http://schemas.microsoft.com/office/mac/drawingml/2011/main" xmlns="" val="1"/>
             </a:ext>
           </a:extLst>
         </p:spPr>
@@ -757,7 +760,7 @@
           <a:effectLst/>
           <a:extLst>
             <a:ext uri="{AF507438-7753-43e0-B8FC-AC1667EBCBE1}">
-              <a14:hiddenEffects xmlns="" xmlns:a14="http://schemas.microsoft.com/office/drawing/2010/main">
+              <a14:hiddenEffects xmlns:a14="http://schemas.microsoft.com/office/drawing/2010/main" xmlns="">
                 <a:effectLst>
                   <a:outerShdw blurRad="63500" dist="38099" dir="2700000" algn="ctr" rotWithShape="0">
                     <a:srgbClr val="000000">
@@ -768,7 +771,7 @@
               </a14:hiddenEffects>
             </a:ext>
             <a:ext uri="{53640926-AAD7-44d8-BBD7-CCE9431645EC}">
-              <a14:shadowObscured xmlns="" xmlns:a14="http://schemas.microsoft.com/office/drawing/2010/main" val="1"/>
+              <a14:shadowObscured xmlns:a14="http://schemas.microsoft.com/office/drawing/2010/main" xmlns="" val="1"/>
             </a:ext>
           </a:extLst>
         </p:spPr>
@@ -803,14 +806,14 @@
           </a:ln>
           <a:extLst>
             <a:ext uri="{909E8E84-426E-40dd-AFC4-6F175D3DCCD1}">
-              <a14:hiddenFill xmlns="" xmlns:a14="http://schemas.microsoft.com/office/drawing/2010/main">
+              <a14:hiddenFill xmlns:a14="http://schemas.microsoft.com/office/drawing/2010/main" xmlns="">
                 <a:solidFill>
                   <a:schemeClr val="accent1"/>
                 </a:solidFill>
               </a14:hiddenFill>
             </a:ext>
             <a:ext uri="{91240B29-F687-4f45-9708-019B960494DF}">
-              <a14:hiddenLine xmlns="" xmlns:a14="http://schemas.microsoft.com/office/drawing/2010/main" w="9525">
+              <a14:hiddenLine xmlns:a14="http://schemas.microsoft.com/office/drawing/2010/main" xmlns="" w="9525">
                 <a:solidFill>
                   <a:schemeClr val="tx1"/>
                 </a:solidFill>
@@ -820,7 +823,7 @@
               </a14:hiddenLine>
             </a:ext>
             <a:ext uri="{FAA26D3D-D897-4be2-8F04-BA451C77F1D7}">
-              <ma14:placeholderFlag xmlns="" xmlns:ma14="http://schemas.microsoft.com/office/mac/drawingml/2011/main" val="1"/>
+              <ma14:placeholderFlag xmlns:ma14="http://schemas.microsoft.com/office/mac/drawingml/2011/main" xmlns="" val="1"/>
             </a:ext>
           </a:extLst>
         </p:spPr>
@@ -898,14 +901,14 @@
           </a:ln>
           <a:extLst>
             <a:ext uri="{909E8E84-426E-40dd-AFC4-6F175D3DCCD1}">
-              <a14:hiddenFill xmlns="" xmlns:a14="http://schemas.microsoft.com/office/drawing/2010/main">
+              <a14:hiddenFill xmlns:a14="http://schemas.microsoft.com/office/drawing/2010/main" xmlns="">
                 <a:solidFill>
                   <a:schemeClr val="accent1"/>
                 </a:solidFill>
               </a14:hiddenFill>
             </a:ext>
             <a:ext uri="{91240B29-F687-4f45-9708-019B960494DF}">
-              <a14:hiddenLine xmlns="" xmlns:a14="http://schemas.microsoft.com/office/drawing/2010/main" w="9525">
+              <a14:hiddenLine xmlns:a14="http://schemas.microsoft.com/office/drawing/2010/main" xmlns="" w="9525">
                 <a:solidFill>
                   <a:schemeClr val="tx1"/>
                 </a:solidFill>
@@ -915,7 +918,7 @@
               </a14:hiddenLine>
             </a:ext>
             <a:ext uri="{FAA26D3D-D897-4be2-8F04-BA451C77F1D7}">
-              <ma14:placeholderFlag xmlns="" xmlns:ma14="http://schemas.microsoft.com/office/mac/drawingml/2011/main" val="1"/>
+              <ma14:placeholderFlag xmlns:ma14="http://schemas.microsoft.com/office/mac/drawingml/2011/main" xmlns="" val="1"/>
             </a:ext>
           </a:extLst>
         </p:spPr>
@@ -975,14 +978,14 @@
           </a:ln>
           <a:extLst>
             <a:ext uri="{909E8E84-426E-40dd-AFC4-6F175D3DCCD1}">
-              <a14:hiddenFill xmlns="" xmlns:a14="http://schemas.microsoft.com/office/drawing/2010/main">
+              <a14:hiddenFill xmlns:a14="http://schemas.microsoft.com/office/drawing/2010/main" xmlns="">
                 <a:solidFill>
                   <a:schemeClr val="accent1"/>
                 </a:solidFill>
               </a14:hiddenFill>
             </a:ext>
             <a:ext uri="{91240B29-F687-4f45-9708-019B960494DF}">
-              <a14:hiddenLine xmlns="" xmlns:a14="http://schemas.microsoft.com/office/drawing/2010/main" w="9525">
+              <a14:hiddenLine xmlns:a14="http://schemas.microsoft.com/office/drawing/2010/main" xmlns="" w="9525">
                 <a:solidFill>
                   <a:schemeClr val="tx1"/>
                 </a:solidFill>
@@ -992,7 +995,7 @@
               </a14:hiddenLine>
             </a:ext>
             <a:ext uri="{FAA26D3D-D897-4be2-8F04-BA451C77F1D7}">
-              <ma14:placeholderFlag xmlns="" xmlns:ma14="http://schemas.microsoft.com/office/mac/drawingml/2011/main" val="1"/>
+              <ma14:placeholderFlag xmlns:ma14="http://schemas.microsoft.com/office/mac/drawingml/2011/main" xmlns="" val="1"/>
             </a:ext>
           </a:extLst>
         </p:spPr>
@@ -5248,13 +5251,7 @@
           <p:cNvGraphicFramePr>
             <a:graphicFrameLocks noGrp="1"/>
           </p:cNvGraphicFramePr>
-          <p:nvPr>
-            <p:extLst>
-              <p:ext uri="{D42A27DB-BD31-4B8C-83A1-F6EECF244321}">
-                <p14:modId xmlns:p14="http://schemas.microsoft.com/office/powerpoint/2010/main" val="3293331512"/>
-              </p:ext>
-            </p:extLst>
-          </p:nvPr>
+          <p:nvPr/>
         </p:nvGraphicFramePr>
         <p:xfrm>
           <a:off x="1742585" y="1516868"/>
@@ -6896,8 +6893,13 @@
             </a:r>
             <a:r>
               <a:rPr lang="it-IT" dirty="0"/>
-              <a:t>HTTP, NNTP, SMTP, FTP, DNS, telnet, SSH</a:t>
-            </a:r>
+              <a:t>HTTP, FTP, DNS</a:t>
+            </a:r>
+            <a:r>
+              <a:rPr lang="it-IT"/>
+              <a:t>, telnet</a:t>
+            </a:r>
+            <a:endParaRPr lang="it-IT" dirty="0"/>
           </a:p>
           <a:p>
             <a:pPr marL="0" indent="0">
@@ -7133,14 +7135,14 @@
           <a:effectLst/>
           <a:extLst>
             <a:ext uri="{909E8E84-426E-40dd-AFC4-6F175D3DCCD1}">
-              <a14:hiddenFill xmlns:a14="http://schemas.microsoft.com/office/drawing/2010/main" xmlns="">
+              <a14:hiddenFill xmlns="" xmlns:a14="http://schemas.microsoft.com/office/drawing/2010/main">
                 <a:solidFill>
                   <a:schemeClr val="accent1"/>
                 </a:solidFill>
               </a14:hiddenFill>
             </a:ext>
             <a:ext uri="{91240B29-F687-4f45-9708-019B960494DF}">
-              <a14:hiddenLine xmlns:a14="http://schemas.microsoft.com/office/drawing/2010/main" xmlns="" w="9525" cap="flat" cmpd="sng" algn="ctr">
+              <a14:hiddenLine xmlns="" xmlns:a14="http://schemas.microsoft.com/office/drawing/2010/main" w="9525" cap="flat" cmpd="sng" algn="ctr">
                 <a:solidFill>
                   <a:schemeClr val="tx1"/>
                 </a:solidFill>
@@ -7151,7 +7153,7 @@
               </a14:hiddenLine>
             </a:ext>
             <a:ext uri="{AF507438-7753-43e0-B8FC-AC1667EBCBE1}">
-              <a14:hiddenEffects xmlns:a14="http://schemas.microsoft.com/office/drawing/2010/main" xmlns="">
+              <a14:hiddenEffects xmlns="" xmlns:a14="http://schemas.microsoft.com/office/drawing/2010/main">
                 <a:effectLst>
                   <a:outerShdw blurRad="63500" dist="38099" dir="2700000" algn="ctr" rotWithShape="0">
                     <a:srgbClr val="000000">
@@ -7445,14 +7447,14 @@
           <a:effectLst/>
           <a:extLst>
             <a:ext uri="{909E8E84-426E-40dd-AFC4-6F175D3DCCD1}">
-              <a14:hiddenFill xmlns:a14="http://schemas.microsoft.com/office/drawing/2010/main" xmlns="">
+              <a14:hiddenFill xmlns="" xmlns:a14="http://schemas.microsoft.com/office/drawing/2010/main">
                 <a:solidFill>
                   <a:schemeClr val="accent1"/>
                 </a:solidFill>
               </a14:hiddenFill>
             </a:ext>
             <a:ext uri="{91240B29-F687-4f45-9708-019B960494DF}">
-              <a14:hiddenLine xmlns:a14="http://schemas.microsoft.com/office/drawing/2010/main" xmlns="" w="9525" cap="flat" cmpd="sng" algn="ctr">
+              <a14:hiddenLine xmlns="" xmlns:a14="http://schemas.microsoft.com/office/drawing/2010/main" w="9525" cap="flat" cmpd="sng" algn="ctr">
                 <a:solidFill>
                   <a:schemeClr val="tx1"/>
                 </a:solidFill>
@@ -7463,7 +7465,7 @@
               </a14:hiddenLine>
             </a:ext>
             <a:ext uri="{AF507438-7753-43e0-B8FC-AC1667EBCBE1}">
-              <a14:hiddenEffects xmlns:a14="http://schemas.microsoft.com/office/drawing/2010/main" xmlns="">
+              <a14:hiddenEffects xmlns="" xmlns:a14="http://schemas.microsoft.com/office/drawing/2010/main">
                 <a:effectLst>
                   <a:outerShdw blurRad="63500" dist="38099" dir="2700000" algn="ctr" rotWithShape="0">
                     <a:srgbClr val="000000">
@@ -8880,7 +8882,47 @@
             </a:pPr>
             <a:r>
               <a:rPr lang="it-IT" dirty="0"/>
-              <a:t>In the last analysis the authors observed that the K-Means result replicate an already division of applications based on QoS requirements provided by Roughan et al[1]</a:t>
+              <a:t>In the last analysis the authors observed that the K-</a:t>
+            </a:r>
+            <a:r>
+              <a:rPr lang="it-IT" dirty="0" err="1"/>
+              <a:t>Means</a:t>
+            </a:r>
+            <a:r>
+              <a:rPr lang="it-IT" dirty="0"/>
+              <a:t> </a:t>
+            </a:r>
+            <a:r>
+              <a:rPr lang="it-IT" dirty="0" err="1"/>
+              <a:t>results</a:t>
+            </a:r>
+            <a:r>
+              <a:rPr lang="it-IT" dirty="0"/>
+              <a:t> replicate the </a:t>
+            </a:r>
+            <a:r>
+              <a:rPr lang="it-IT" dirty="0" err="1"/>
+              <a:t>applications</a:t>
+            </a:r>
+            <a:r>
+              <a:rPr lang="it-IT" dirty="0"/>
+              <a:t> </a:t>
+            </a:r>
+            <a:r>
+              <a:rPr lang="it-IT" dirty="0" err="1"/>
+              <a:t>differentiation</a:t>
+            </a:r>
+            <a:r>
+              <a:rPr lang="it-IT" dirty="0"/>
+              <a:t> </a:t>
+            </a:r>
+            <a:r>
+              <a:rPr lang="it-IT" dirty="0" err="1"/>
+              <a:t>based</a:t>
+            </a:r>
+            <a:r>
+              <a:rPr lang="it-IT" dirty="0"/>
+              <a:t> on QoS requirements provided by Roughan et al[1]</a:t>
             </a:r>
           </a:p>
           <a:p>
@@ -8942,13 +8984,7 @@
           <p:cNvGraphicFramePr>
             <a:graphicFrameLocks noGrp="1"/>
           </p:cNvGraphicFramePr>
-          <p:nvPr>
-            <p:extLst>
-              <p:ext uri="{D42A27DB-BD31-4B8C-83A1-F6EECF244321}">
-                <p14:modId xmlns:p14="http://schemas.microsoft.com/office/powerpoint/2010/main" val="1292532862"/>
-              </p:ext>
-            </p:extLst>
-          </p:nvPr>
+          <p:nvPr/>
         </p:nvGraphicFramePr>
         <p:xfrm>
           <a:off x="1524000" y="3140968"/>
@@ -9309,6 +9345,983 @@
             <p:ph type="title"/>
           </p:nvPr>
         </p:nvSpPr>
+        <p:spPr>
+          <a:xfrm>
+            <a:off x="1259632" y="980728"/>
+            <a:ext cx="7415659" cy="504825"/>
+          </a:xfrm>
+        </p:spPr>
+        <p:txBody>
+          <a:bodyPr/>
+          <a:lstStyle/>
+          <a:p>
+            <a:r>
+              <a:rPr lang="it-IT" dirty="0"/>
+              <a:t>Project Assignment</a:t>
+            </a:r>
+          </a:p>
+        </p:txBody>
+      </p:sp>
+      <p:sp>
+        <p:nvSpPr>
+          <p:cNvPr id="4" name="Segnaposto contenuto 3">
+            <a:extLst>
+              <a:ext uri="{FF2B5EF4-FFF2-40B4-BE49-F238E27FC236}">
+                <a16:creationId xmlns:a16="http://schemas.microsoft.com/office/drawing/2014/main" id="{1B9F181D-C53C-4ADF-B871-B3DD739C905D}"/>
+              </a:ext>
+            </a:extLst>
+          </p:cNvPr>
+          <p:cNvSpPr>
+            <a:spLocks noGrp="1"/>
+          </p:cNvSpPr>
+          <p:nvPr>
+            <p:ph sz="half" idx="2"/>
+          </p:nvPr>
+        </p:nvSpPr>
+        <p:spPr>
+          <a:xfrm>
+            <a:off x="257234" y="1556792"/>
+            <a:ext cx="8856984" cy="4412704"/>
+          </a:xfrm>
+        </p:spPr>
+        <p:txBody>
+          <a:bodyPr/>
+          <a:lstStyle/>
+          <a:p>
+            <a:pPr marL="457200" indent="-457200" algn="ctr">
+              <a:buAutoNum type="alphaUcParenR"/>
+            </a:pPr>
+            <a:r>
+              <a:rPr lang="it-IT" dirty="0" err="1"/>
+              <a:t>Extract</a:t>
+            </a:r>
+            <a:r>
+              <a:rPr lang="it-IT" dirty="0"/>
+              <a:t> 1 million of packets from the available data, replicate the statistical analysis observed </a:t>
+            </a:r>
+            <a:r>
+              <a:rPr lang="it-IT" dirty="0" err="1"/>
+              <a:t>during</a:t>
+            </a:r>
+            <a:r>
+              <a:rPr lang="it-IT" dirty="0"/>
+              <a:t> </a:t>
+            </a:r>
+            <a:r>
+              <a:rPr lang="it-IT" dirty="0" err="1"/>
+              <a:t>Lecture</a:t>
+            </a:r>
+            <a:r>
+              <a:rPr lang="it-IT" dirty="0"/>
+              <a:t> 2. </a:t>
+            </a:r>
+            <a:r>
+              <a:rPr lang="it-IT" dirty="0">
+                <a:highlight>
+                  <a:srgbClr val="FFFF00"/>
+                </a:highlight>
+              </a:rPr>
+              <a:t>FOLLOW the LIST!</a:t>
+            </a:r>
+          </a:p>
+          <a:p>
+            <a:pPr marL="457200" indent="-457200" algn="ctr">
+              <a:buAutoNum type="alphaUcParenR"/>
+            </a:pPr>
+            <a:endParaRPr lang="it-IT" dirty="0">
+              <a:highlight>
+                <a:srgbClr val="FFFF00"/>
+              </a:highlight>
+            </a:endParaRPr>
+          </a:p>
+          <a:p>
+            <a:pPr marL="857250" lvl="1" indent="-457200">
+              <a:buAutoNum type="arabicParenR"/>
+            </a:pPr>
+            <a:r>
+              <a:rPr lang="it-IT" dirty="0" err="1"/>
+              <a:t>Extract</a:t>
+            </a:r>
+            <a:r>
+              <a:rPr lang="it-IT" dirty="0"/>
+              <a:t> general info from </a:t>
+            </a:r>
+            <a:r>
+              <a:rPr lang="it-IT" dirty="0" err="1"/>
+              <a:t>your</a:t>
+            </a:r>
+            <a:r>
+              <a:rPr lang="it-IT" dirty="0"/>
+              <a:t> trace </a:t>
+            </a:r>
+            <a:r>
+              <a:rPr lang="it-IT" dirty="0" err="1"/>
+              <a:t>using</a:t>
+            </a:r>
+            <a:r>
+              <a:rPr lang="it-IT" dirty="0"/>
+              <a:t> </a:t>
+            </a:r>
+            <a:r>
+              <a:rPr lang="it-IT" dirty="0" err="1"/>
+              <a:t>capinfos</a:t>
+            </a:r>
+            <a:r>
+              <a:rPr lang="it-IT" dirty="0"/>
+              <a:t>;</a:t>
+            </a:r>
+          </a:p>
+          <a:p>
+            <a:pPr marL="857250" lvl="1" indent="-457200">
+              <a:buAutoNum type="arabicParenR"/>
+            </a:pPr>
+            <a:endParaRPr lang="it-IT" dirty="0"/>
+          </a:p>
+          <a:p>
+            <a:pPr marL="857250" lvl="1" indent="-457200">
+              <a:buAutoNum type="arabicParenR"/>
+            </a:pPr>
+            <a:r>
+              <a:rPr lang="it-IT" dirty="0"/>
+              <a:t>Time Evaluation </a:t>
+            </a:r>
+            <a:r>
+              <a:rPr lang="it-IT" dirty="0" err="1"/>
+              <a:t>between</a:t>
+            </a:r>
+            <a:r>
+              <a:rPr lang="it-IT" dirty="0"/>
+              <a:t> </a:t>
+            </a:r>
+            <a:r>
+              <a:rPr lang="it-IT" dirty="0" err="1"/>
+              <a:t>Sequential</a:t>
+            </a:r>
+            <a:r>
+              <a:rPr lang="it-IT" dirty="0"/>
+              <a:t> and </a:t>
+            </a:r>
+            <a:r>
+              <a:rPr lang="it-IT" dirty="0" err="1"/>
+              <a:t>Parallel</a:t>
+            </a:r>
+            <a:r>
+              <a:rPr lang="it-IT" dirty="0"/>
+              <a:t> reading;</a:t>
+            </a:r>
+          </a:p>
+          <a:p>
+            <a:pPr marL="857250" lvl="1" indent="-457200">
+              <a:buAutoNum type="arabicParenR"/>
+            </a:pPr>
+            <a:endParaRPr lang="it-IT" dirty="0"/>
+          </a:p>
+          <a:p>
+            <a:pPr marL="857250" lvl="1" indent="-457200">
+              <a:buAutoNum type="arabicParenR"/>
+            </a:pPr>
+            <a:r>
+              <a:rPr lang="it-IT" dirty="0" err="1"/>
+              <a:t>Extract</a:t>
+            </a:r>
+            <a:r>
+              <a:rPr lang="it-IT" dirty="0"/>
+              <a:t> the IP </a:t>
+            </a:r>
+            <a:r>
+              <a:rPr lang="it-IT" dirty="0" err="1"/>
+              <a:t>which</a:t>
+            </a:r>
+            <a:r>
+              <a:rPr lang="it-IT" dirty="0"/>
+              <a:t> </a:t>
+            </a:r>
+            <a:r>
+              <a:rPr lang="it-IT" dirty="0" err="1"/>
+              <a:t>generates</a:t>
+            </a:r>
+            <a:r>
+              <a:rPr lang="it-IT" dirty="0"/>
+              <a:t> the </a:t>
+            </a:r>
+            <a:r>
+              <a:rPr lang="it-IT" dirty="0" err="1"/>
+              <a:t>highest</a:t>
+            </a:r>
+            <a:r>
+              <a:rPr lang="it-IT" dirty="0"/>
+              <a:t> </a:t>
+            </a:r>
+            <a:r>
+              <a:rPr lang="it-IT" dirty="0" err="1"/>
+              <a:t>amount</a:t>
+            </a:r>
+            <a:r>
+              <a:rPr lang="it-IT" dirty="0"/>
+              <a:t> of </a:t>
+            </a:r>
+            <a:r>
+              <a:rPr lang="it-IT" dirty="0" err="1"/>
+              <a:t>sender</a:t>
+            </a:r>
+            <a:r>
+              <a:rPr lang="it-IT" dirty="0"/>
+              <a:t> </a:t>
+            </a:r>
+            <a:r>
+              <a:rPr lang="it-IT" dirty="0" err="1"/>
+              <a:t>traffic</a:t>
+            </a:r>
+            <a:r>
+              <a:rPr lang="it-IT" dirty="0"/>
+              <a:t>, </a:t>
+            </a:r>
+            <a:r>
+              <a:rPr lang="it-IT" dirty="0" err="1"/>
+              <a:t>evaluate</a:t>
+            </a:r>
+            <a:r>
+              <a:rPr lang="it-IT" dirty="0"/>
+              <a:t> the bit rate (0.1 sec) for the 6 IP </a:t>
+            </a:r>
+            <a:r>
+              <a:rPr lang="it-IT" dirty="0" err="1"/>
+              <a:t>addresses</a:t>
+            </a:r>
+            <a:r>
+              <a:rPr lang="it-IT" dirty="0"/>
+              <a:t> </a:t>
+            </a:r>
+            <a:r>
+              <a:rPr lang="it-IT" dirty="0" err="1"/>
+              <a:t>mostly</a:t>
+            </a:r>
+            <a:r>
+              <a:rPr lang="it-IT" dirty="0"/>
+              <a:t> </a:t>
+            </a:r>
+            <a:r>
+              <a:rPr lang="it-IT" dirty="0" err="1"/>
+              <a:t>used</a:t>
+            </a:r>
+            <a:r>
+              <a:rPr lang="it-IT" dirty="0"/>
+              <a:t> </a:t>
+            </a:r>
+            <a:r>
+              <a:rPr lang="it-IT" dirty="0" err="1"/>
+              <a:t>as</a:t>
+            </a:r>
+            <a:r>
+              <a:rPr lang="it-IT" dirty="0"/>
+              <a:t> endpoint</a:t>
+            </a:r>
+          </a:p>
+          <a:p>
+            <a:pPr marL="857250" lvl="1" indent="-457200">
+              <a:buAutoNum type="arabicParenR"/>
+            </a:pPr>
+            <a:endParaRPr lang="it-IT" dirty="0"/>
+          </a:p>
+          <a:p>
+            <a:pPr marL="857250" lvl="1" indent="-457200">
+              <a:buAutoNum type="arabicParenR"/>
+            </a:pPr>
+            <a:r>
+              <a:rPr lang="it-IT" dirty="0"/>
+              <a:t>Top 5 </a:t>
+            </a:r>
+            <a:r>
+              <a:rPr lang="it-IT" dirty="0" err="1"/>
+              <a:t>Destination</a:t>
+            </a:r>
+            <a:r>
+              <a:rPr lang="it-IT" dirty="0"/>
+              <a:t> IP (</a:t>
+            </a:r>
+            <a:r>
+              <a:rPr lang="it-IT" dirty="0" err="1"/>
+              <a:t>received</a:t>
+            </a:r>
+            <a:r>
+              <a:rPr lang="it-IT" dirty="0"/>
+              <a:t> bytes) and Top 5 Source IP (</a:t>
+            </a:r>
+            <a:r>
+              <a:rPr lang="it-IT" dirty="0" err="1"/>
+              <a:t>sent</a:t>
+            </a:r>
+            <a:r>
+              <a:rPr lang="it-IT" dirty="0"/>
+              <a:t> bytes)</a:t>
+            </a:r>
+          </a:p>
+          <a:p>
+            <a:pPr marL="857250" lvl="1" indent="-457200">
+              <a:buAutoNum type="arabicParenR"/>
+            </a:pPr>
+            <a:endParaRPr lang="it-IT" dirty="0"/>
+          </a:p>
+          <a:p>
+            <a:pPr marL="400050" lvl="1" indent="0">
+              <a:buNone/>
+            </a:pPr>
+            <a:endParaRPr lang="it-IT" dirty="0"/>
+          </a:p>
+          <a:p>
+            <a:pPr marL="857250" lvl="1" indent="-457200">
+              <a:buAutoNum type="arabicParenR"/>
+            </a:pPr>
+            <a:endParaRPr lang="it-IT" dirty="0"/>
+          </a:p>
+          <a:p>
+            <a:pPr marL="857250" lvl="1" indent="-457200">
+              <a:buAutoNum type="arabicParenR"/>
+            </a:pPr>
+            <a:endParaRPr lang="it-IT" dirty="0"/>
+          </a:p>
+          <a:p>
+            <a:pPr marL="857250" lvl="1" indent="-457200">
+              <a:buAutoNum type="arabicParenR"/>
+            </a:pPr>
+            <a:endParaRPr lang="it-IT" dirty="0"/>
+          </a:p>
+          <a:p>
+            <a:pPr marL="0" indent="0">
+              <a:buNone/>
+            </a:pPr>
+            <a:endParaRPr lang="it-IT" dirty="0"/>
+          </a:p>
+        </p:txBody>
+      </p:sp>
+    </p:spTree>
+    <p:extLst>
+      <p:ext uri="{BB962C8B-B14F-4D97-AF65-F5344CB8AC3E}">
+        <p14:creationId xmlns:p14="http://schemas.microsoft.com/office/powerpoint/2010/main" val="1671780618"/>
+      </p:ext>
+    </p:extLst>
+  </p:cSld>
+  <p:clrMapOvr>
+    <a:masterClrMapping/>
+  </p:clrMapOvr>
+</p:sld>
+</file>
+
+<file path=ppt/slides/slide26.xml><?xml version="1.0" encoding="utf-8"?>
+<p:sld xmlns:a="http://schemas.openxmlformats.org/drawingml/2006/main" xmlns:r="http://schemas.openxmlformats.org/officeDocument/2006/relationships" xmlns:p="http://schemas.openxmlformats.org/presentationml/2006/main">
+  <p:cSld>
+    <p:spTree>
+      <p:nvGrpSpPr>
+        <p:cNvPr id="1" name=""/>
+        <p:cNvGrpSpPr/>
+        <p:nvPr/>
+      </p:nvGrpSpPr>
+      <p:grpSpPr>
+        <a:xfrm>
+          <a:off x="0" y="0"/>
+          <a:ext cx="0" cy="0"/>
+          <a:chOff x="0" y="0"/>
+          <a:chExt cx="0" cy="0"/>
+        </a:xfrm>
+      </p:grpSpPr>
+      <p:sp>
+        <p:nvSpPr>
+          <p:cNvPr id="2" name="Titolo 1">
+            <a:extLst>
+              <a:ext uri="{FF2B5EF4-FFF2-40B4-BE49-F238E27FC236}">
+                <a16:creationId xmlns:a16="http://schemas.microsoft.com/office/drawing/2014/main" id="{7855A804-757E-4B54-A4A8-A5221E526889}"/>
+              </a:ext>
+            </a:extLst>
+          </p:cNvPr>
+          <p:cNvSpPr>
+            <a:spLocks noGrp="1"/>
+          </p:cNvSpPr>
+          <p:nvPr>
+            <p:ph type="title"/>
+          </p:nvPr>
+        </p:nvSpPr>
+        <p:spPr/>
+        <p:txBody>
+          <a:bodyPr/>
+          <a:lstStyle/>
+          <a:p>
+            <a:r>
+              <a:rPr lang="it-IT" dirty="0"/>
+              <a:t>Project Assignment</a:t>
+            </a:r>
+          </a:p>
+        </p:txBody>
+      </p:sp>
+      <p:sp>
+        <p:nvSpPr>
+          <p:cNvPr id="4" name="Segnaposto contenuto 3">
+            <a:extLst>
+              <a:ext uri="{FF2B5EF4-FFF2-40B4-BE49-F238E27FC236}">
+                <a16:creationId xmlns:a16="http://schemas.microsoft.com/office/drawing/2014/main" id="{1B9F181D-C53C-4ADF-B871-B3DD739C905D}"/>
+              </a:ext>
+            </a:extLst>
+          </p:cNvPr>
+          <p:cNvSpPr>
+            <a:spLocks noGrp="1"/>
+          </p:cNvSpPr>
+          <p:nvPr>
+            <p:ph sz="half" idx="2"/>
+          </p:nvPr>
+        </p:nvSpPr>
+        <p:spPr>
+          <a:xfrm>
+            <a:off x="179512" y="1752600"/>
+            <a:ext cx="8856984" cy="4196680"/>
+          </a:xfrm>
+        </p:spPr>
+        <p:txBody>
+          <a:bodyPr/>
+          <a:lstStyle/>
+          <a:p>
+            <a:pPr marL="400050" lvl="1" indent="0">
+              <a:buNone/>
+            </a:pPr>
+            <a:r>
+              <a:rPr lang="it-IT" dirty="0"/>
+              <a:t>5) </a:t>
+            </a:r>
+            <a:r>
+              <a:rPr lang="it-IT" dirty="0" err="1"/>
+              <a:t>Evaluate</a:t>
+            </a:r>
+            <a:r>
+              <a:rPr lang="it-IT" dirty="0"/>
+              <a:t> </a:t>
+            </a:r>
+            <a:r>
+              <a:rPr lang="it-IT" dirty="0" err="1"/>
+              <a:t>bitRate</a:t>
+            </a:r>
+            <a:r>
+              <a:rPr lang="it-IT" dirty="0"/>
+              <a:t> </a:t>
+            </a:r>
+            <a:r>
+              <a:rPr lang="it-IT" dirty="0" err="1"/>
+              <a:t>considering</a:t>
+            </a:r>
+            <a:r>
+              <a:rPr lang="it-IT" dirty="0"/>
+              <a:t> </a:t>
+            </a:r>
+            <a:r>
+              <a:rPr lang="it-IT" dirty="0" err="1"/>
+              <a:t>all</a:t>
+            </a:r>
+            <a:r>
+              <a:rPr lang="it-IT" dirty="0"/>
+              <a:t> the trace with 3 </a:t>
+            </a:r>
+            <a:r>
+              <a:rPr lang="it-IT" dirty="0" err="1"/>
+              <a:t>different</a:t>
+            </a:r>
+            <a:r>
+              <a:rPr lang="it-IT" dirty="0"/>
+              <a:t> sampling rate</a:t>
+            </a:r>
+          </a:p>
+          <a:p>
+            <a:pPr marL="400050" lvl="1" indent="0">
+              <a:buNone/>
+            </a:pPr>
+            <a:endParaRPr lang="it-IT" dirty="0"/>
+          </a:p>
+          <a:p>
+            <a:pPr marL="400050" lvl="1" indent="0">
+              <a:buNone/>
+            </a:pPr>
+            <a:r>
+              <a:rPr lang="it-IT" dirty="0"/>
+              <a:t>6) </a:t>
+            </a:r>
+            <a:r>
+              <a:rPr lang="it-IT" dirty="0" err="1"/>
+              <a:t>GeoLocal</a:t>
+            </a:r>
+            <a:r>
+              <a:rPr lang="it-IT" dirty="0"/>
+              <a:t> </a:t>
+            </a:r>
+            <a:r>
+              <a:rPr lang="it-IT" dirty="0" err="1"/>
+              <a:t>Referenciation</a:t>
+            </a:r>
+            <a:r>
+              <a:rPr lang="it-IT" dirty="0"/>
+              <a:t> of the 5 sessions with the </a:t>
+            </a:r>
+            <a:r>
+              <a:rPr lang="it-IT" dirty="0" err="1"/>
+              <a:t>highest</a:t>
+            </a:r>
+            <a:r>
+              <a:rPr lang="it-IT" dirty="0"/>
+              <a:t> </a:t>
+            </a:r>
+            <a:r>
+              <a:rPr lang="it-IT" dirty="0" err="1"/>
+              <a:t>amount</a:t>
+            </a:r>
+            <a:r>
+              <a:rPr lang="it-IT" dirty="0"/>
+              <a:t> of </a:t>
+            </a:r>
+            <a:r>
+              <a:rPr lang="it-IT" dirty="0" err="1"/>
+              <a:t>traffic</a:t>
+            </a:r>
+            <a:r>
+              <a:rPr lang="it-IT" dirty="0"/>
+              <a:t> </a:t>
+            </a:r>
+            <a:r>
+              <a:rPr lang="it-IT" dirty="0" err="1"/>
+              <a:t>generated</a:t>
+            </a:r>
+            <a:r>
+              <a:rPr lang="it-IT" dirty="0"/>
+              <a:t>;</a:t>
+            </a:r>
+          </a:p>
+          <a:p>
+            <a:pPr marL="857250" lvl="1" indent="-457200">
+              <a:buAutoNum type="arabicParenR"/>
+            </a:pPr>
+            <a:endParaRPr lang="it-IT" dirty="0"/>
+          </a:p>
+          <a:p>
+            <a:pPr marL="400050" lvl="1" indent="0">
+              <a:buNone/>
+            </a:pPr>
+            <a:r>
+              <a:rPr lang="it-IT" dirty="0"/>
+              <a:t>7) 10 </a:t>
+            </a:r>
+            <a:r>
+              <a:rPr lang="it-IT" dirty="0" err="1"/>
+              <a:t>Protocol</a:t>
+            </a:r>
+            <a:r>
+              <a:rPr lang="it-IT" dirty="0"/>
+              <a:t> </a:t>
+            </a:r>
+            <a:r>
+              <a:rPr lang="it-IT" dirty="0" err="1"/>
+              <a:t>mostly</a:t>
+            </a:r>
+            <a:r>
+              <a:rPr lang="it-IT" dirty="0"/>
+              <a:t> </a:t>
+            </a:r>
+            <a:r>
+              <a:rPr lang="it-IT" dirty="0" err="1"/>
+              <a:t>used</a:t>
+            </a:r>
+            <a:r>
+              <a:rPr lang="it-IT" dirty="0"/>
+              <a:t>;</a:t>
+            </a:r>
+          </a:p>
+          <a:p>
+            <a:pPr marL="400050" lvl="1" indent="0">
+              <a:buNone/>
+            </a:pPr>
+            <a:endParaRPr lang="it-IT" dirty="0"/>
+          </a:p>
+          <a:p>
+            <a:pPr marL="400050" lvl="1" indent="0">
+              <a:buNone/>
+            </a:pPr>
+            <a:r>
+              <a:rPr lang="it-IT" dirty="0"/>
+              <a:t>8) Port Scanner </a:t>
+            </a:r>
+            <a:r>
+              <a:rPr lang="it-IT" dirty="0" err="1"/>
+              <a:t>evaluation</a:t>
+            </a:r>
+            <a:r>
+              <a:rPr lang="it-IT" dirty="0"/>
+              <a:t> (10 Ports </a:t>
+            </a:r>
+            <a:r>
+              <a:rPr lang="it-IT" dirty="0" err="1"/>
+              <a:t>mostly</a:t>
+            </a:r>
+            <a:r>
+              <a:rPr lang="it-IT" dirty="0"/>
+              <a:t> </a:t>
+            </a:r>
+            <a:r>
+              <a:rPr lang="it-IT" dirty="0" err="1"/>
+              <a:t>used</a:t>
+            </a:r>
+            <a:r>
+              <a:rPr lang="it-IT" dirty="0"/>
+              <a:t>);</a:t>
+            </a:r>
+          </a:p>
+          <a:p>
+            <a:pPr marL="400050" lvl="1" indent="0">
+              <a:buNone/>
+            </a:pPr>
+            <a:endParaRPr lang="it-IT" dirty="0"/>
+          </a:p>
+          <a:p>
+            <a:pPr marL="400050" lvl="1" indent="0">
+              <a:buNone/>
+            </a:pPr>
+            <a:r>
+              <a:rPr lang="it-IT" dirty="0"/>
+              <a:t>9) </a:t>
+            </a:r>
+            <a:r>
+              <a:rPr lang="it-IT" dirty="0" err="1"/>
+              <a:t>InterArrival</a:t>
+            </a:r>
+            <a:r>
+              <a:rPr lang="it-IT" dirty="0"/>
+              <a:t> Time </a:t>
+            </a:r>
+            <a:r>
+              <a:rPr lang="it-IT" dirty="0" err="1"/>
+              <a:t>boxplot</a:t>
+            </a:r>
+            <a:r>
+              <a:rPr lang="it-IT" dirty="0"/>
+              <a:t> </a:t>
+            </a:r>
+            <a:r>
+              <a:rPr lang="it-IT" dirty="0" err="1"/>
+              <a:t>between</a:t>
+            </a:r>
+            <a:r>
+              <a:rPr lang="it-IT" dirty="0"/>
+              <a:t> TCP and UDP Sessions;</a:t>
+            </a:r>
+          </a:p>
+          <a:p>
+            <a:pPr marL="400050" lvl="1" indent="0">
+              <a:buNone/>
+            </a:pPr>
+            <a:endParaRPr lang="it-IT" dirty="0"/>
+          </a:p>
+          <a:p>
+            <a:pPr marL="400050" lvl="1" indent="0">
+              <a:buNone/>
+            </a:pPr>
+            <a:endParaRPr lang="it-IT" dirty="0"/>
+          </a:p>
+          <a:p>
+            <a:pPr marL="857250" lvl="1" indent="-457200">
+              <a:buAutoNum type="arabicParenR"/>
+            </a:pPr>
+            <a:endParaRPr lang="it-IT" dirty="0"/>
+          </a:p>
+          <a:p>
+            <a:pPr marL="857250" lvl="1" indent="-457200">
+              <a:buAutoNum type="arabicParenR"/>
+            </a:pPr>
+            <a:endParaRPr lang="it-IT" dirty="0"/>
+          </a:p>
+          <a:p>
+            <a:pPr marL="857250" lvl="1" indent="-457200">
+              <a:buAutoNum type="arabicParenR"/>
+            </a:pPr>
+            <a:endParaRPr lang="it-IT" dirty="0"/>
+          </a:p>
+          <a:p>
+            <a:pPr marL="0" indent="0">
+              <a:buNone/>
+            </a:pPr>
+            <a:endParaRPr lang="it-IT" dirty="0"/>
+          </a:p>
+        </p:txBody>
+      </p:sp>
+    </p:spTree>
+    <p:extLst>
+      <p:ext uri="{BB962C8B-B14F-4D97-AF65-F5344CB8AC3E}">
+        <p14:creationId xmlns:p14="http://schemas.microsoft.com/office/powerpoint/2010/main" val="480942248"/>
+      </p:ext>
+    </p:extLst>
+  </p:cSld>
+  <p:clrMapOvr>
+    <a:masterClrMapping/>
+  </p:clrMapOvr>
+</p:sld>
+</file>
+
+<file path=ppt/slides/slide27.xml><?xml version="1.0" encoding="utf-8"?>
+<p:sld xmlns:a="http://schemas.openxmlformats.org/drawingml/2006/main" xmlns:r="http://schemas.openxmlformats.org/officeDocument/2006/relationships" xmlns:p="http://schemas.openxmlformats.org/presentationml/2006/main">
+  <p:cSld>
+    <p:spTree>
+      <p:nvGrpSpPr>
+        <p:cNvPr id="1" name=""/>
+        <p:cNvGrpSpPr/>
+        <p:nvPr/>
+      </p:nvGrpSpPr>
+      <p:grpSpPr>
+        <a:xfrm>
+          <a:off x="0" y="0"/>
+          <a:ext cx="0" cy="0"/>
+          <a:chOff x="0" y="0"/>
+          <a:chExt cx="0" cy="0"/>
+        </a:xfrm>
+      </p:grpSpPr>
+      <p:sp>
+        <p:nvSpPr>
+          <p:cNvPr id="2" name="Titolo 1">
+            <a:extLst>
+              <a:ext uri="{FF2B5EF4-FFF2-40B4-BE49-F238E27FC236}">
+                <a16:creationId xmlns:a16="http://schemas.microsoft.com/office/drawing/2014/main" id="{7855A804-757E-4B54-A4A8-A5221E526889}"/>
+              </a:ext>
+            </a:extLst>
+          </p:cNvPr>
+          <p:cNvSpPr>
+            <a:spLocks noGrp="1"/>
+          </p:cNvSpPr>
+          <p:nvPr>
+            <p:ph type="title"/>
+          </p:nvPr>
+        </p:nvSpPr>
+        <p:spPr/>
+        <p:txBody>
+          <a:bodyPr/>
+          <a:lstStyle/>
+          <a:p>
+            <a:r>
+              <a:rPr lang="it-IT" dirty="0"/>
+              <a:t>Project Assignment</a:t>
+            </a:r>
+          </a:p>
+        </p:txBody>
+      </p:sp>
+      <p:sp>
+        <p:nvSpPr>
+          <p:cNvPr id="4" name="Segnaposto contenuto 3">
+            <a:extLst>
+              <a:ext uri="{FF2B5EF4-FFF2-40B4-BE49-F238E27FC236}">
+                <a16:creationId xmlns:a16="http://schemas.microsoft.com/office/drawing/2014/main" id="{1B9F181D-C53C-4ADF-B871-B3DD739C905D}"/>
+              </a:ext>
+            </a:extLst>
+          </p:cNvPr>
+          <p:cNvSpPr>
+            <a:spLocks noGrp="1"/>
+          </p:cNvSpPr>
+          <p:nvPr>
+            <p:ph sz="half" idx="2"/>
+          </p:nvPr>
+        </p:nvSpPr>
+        <p:spPr>
+          <a:xfrm>
+            <a:off x="179512" y="1752600"/>
+            <a:ext cx="8856984" cy="4196680"/>
+          </a:xfrm>
+        </p:spPr>
+        <p:txBody>
+          <a:bodyPr/>
+          <a:lstStyle/>
+          <a:p>
+            <a:pPr marL="400050" lvl="1" indent="0">
+              <a:buNone/>
+            </a:pPr>
+            <a:r>
+              <a:rPr lang="it-IT" dirty="0"/>
+              <a:t>10) </a:t>
+            </a:r>
+            <a:r>
+              <a:rPr lang="it-IT" dirty="0" err="1"/>
+              <a:t>Develope</a:t>
+            </a:r>
+            <a:r>
+              <a:rPr lang="it-IT" dirty="0"/>
+              <a:t> </a:t>
+            </a:r>
+            <a:r>
+              <a:rPr lang="it-IT" dirty="0" err="1"/>
+              <a:t>your</a:t>
+            </a:r>
+            <a:r>
+              <a:rPr lang="it-IT" dirty="0"/>
+              <a:t> </a:t>
+            </a:r>
+            <a:r>
+              <a:rPr lang="it-IT" dirty="0" err="1"/>
+              <a:t>own</a:t>
+            </a:r>
+            <a:r>
+              <a:rPr lang="it-IT" dirty="0"/>
+              <a:t> </a:t>
+            </a:r>
+            <a:r>
+              <a:rPr lang="it-IT" dirty="0" err="1"/>
+              <a:t>analysis</a:t>
+            </a:r>
+            <a:r>
+              <a:rPr lang="it-IT" dirty="0"/>
+              <a:t> (e.g. </a:t>
+            </a:r>
+            <a:r>
+              <a:rPr lang="it-IT" dirty="0" err="1"/>
+              <a:t>Topology</a:t>
+            </a:r>
+            <a:r>
+              <a:rPr lang="it-IT" dirty="0"/>
+              <a:t> of the network </a:t>
+            </a:r>
+            <a:r>
+              <a:rPr lang="it-IT" dirty="0" err="1"/>
+              <a:t>using</a:t>
+            </a:r>
+            <a:r>
+              <a:rPr lang="it-IT" dirty="0"/>
+              <a:t> </a:t>
+            </a:r>
+            <a:r>
+              <a:rPr lang="it-IT" dirty="0" err="1"/>
+              <a:t>networkx</a:t>
+            </a:r>
+            <a:r>
+              <a:rPr lang="it-IT" dirty="0"/>
+              <a:t> or </a:t>
+            </a:r>
+            <a:r>
+              <a:rPr lang="it-IT" dirty="0" err="1"/>
+              <a:t>evaluation</a:t>
+            </a:r>
+            <a:r>
+              <a:rPr lang="it-IT" dirty="0"/>
+              <a:t> </a:t>
+            </a:r>
+            <a:r>
+              <a:rPr lang="it-IT" dirty="0" err="1"/>
+              <a:t>about</a:t>
+            </a:r>
+            <a:r>
+              <a:rPr lang="it-IT" dirty="0"/>
+              <a:t> a </a:t>
+            </a:r>
+            <a:r>
+              <a:rPr lang="it-IT" dirty="0" err="1"/>
+              <a:t>variable</a:t>
+            </a:r>
+            <a:r>
+              <a:rPr lang="it-IT" dirty="0"/>
+              <a:t> </a:t>
+            </a:r>
+            <a:r>
+              <a:rPr lang="it-IT" dirty="0" err="1"/>
+              <a:t>such</a:t>
+            </a:r>
+            <a:r>
+              <a:rPr lang="it-IT" dirty="0"/>
+              <a:t> </a:t>
+            </a:r>
+            <a:r>
+              <a:rPr lang="it-IT" dirty="0" err="1"/>
+              <a:t>as</a:t>
+            </a:r>
+            <a:r>
+              <a:rPr lang="it-IT" dirty="0"/>
+              <a:t> TTL) (</a:t>
+            </a:r>
+            <a:r>
+              <a:rPr lang="it-IT" dirty="0">
+                <a:highlight>
+                  <a:srgbClr val="FFFF00"/>
+                </a:highlight>
+              </a:rPr>
+              <a:t>BONUS</a:t>
+            </a:r>
+            <a:r>
+              <a:rPr lang="it-IT" dirty="0"/>
+              <a:t>)</a:t>
+            </a:r>
+          </a:p>
+          <a:p>
+            <a:pPr marL="857250" lvl="1" indent="-457200">
+              <a:buAutoNum type="arabicParenR"/>
+            </a:pPr>
+            <a:endParaRPr lang="it-IT" dirty="0"/>
+          </a:p>
+          <a:p>
+            <a:pPr marL="857250" lvl="1" indent="-457200">
+              <a:buAutoNum type="arabicParenR"/>
+            </a:pPr>
+            <a:endParaRPr lang="it-IT" dirty="0"/>
+          </a:p>
+          <a:p>
+            <a:pPr marL="857250" lvl="1" indent="-457200">
+              <a:buAutoNum type="arabicParenR"/>
+            </a:pPr>
+            <a:endParaRPr lang="it-IT" dirty="0"/>
+          </a:p>
+          <a:p>
+            <a:pPr marL="857250" lvl="1" indent="-457200">
+              <a:buAutoNum type="arabicParenR"/>
+            </a:pPr>
+            <a:endParaRPr lang="it-IT" dirty="0"/>
+          </a:p>
+          <a:p>
+            <a:pPr marL="0" indent="0">
+              <a:buNone/>
+            </a:pPr>
+            <a:endParaRPr lang="it-IT" dirty="0"/>
+          </a:p>
+        </p:txBody>
+      </p:sp>
+    </p:spTree>
+    <p:extLst>
+      <p:ext uri="{BB962C8B-B14F-4D97-AF65-F5344CB8AC3E}">
+        <p14:creationId xmlns:p14="http://schemas.microsoft.com/office/powerpoint/2010/main" val="894385872"/>
+      </p:ext>
+    </p:extLst>
+  </p:cSld>
+  <p:clrMapOvr>
+    <a:masterClrMapping/>
+  </p:clrMapOvr>
+</p:sld>
+</file>
+
+<file path=ppt/slides/slide28.xml><?xml version="1.0" encoding="utf-8"?>
+<p:sld xmlns:a="http://schemas.openxmlformats.org/drawingml/2006/main" xmlns:r="http://schemas.openxmlformats.org/officeDocument/2006/relationships" xmlns:p="http://schemas.openxmlformats.org/presentationml/2006/main">
+  <p:cSld>
+    <p:spTree>
+      <p:nvGrpSpPr>
+        <p:cNvPr id="1" name=""/>
+        <p:cNvGrpSpPr/>
+        <p:nvPr/>
+      </p:nvGrpSpPr>
+      <p:grpSpPr>
+        <a:xfrm>
+          <a:off x="0" y="0"/>
+          <a:ext cx="0" cy="0"/>
+          <a:chOff x="0" y="0"/>
+          <a:chExt cx="0" cy="0"/>
+        </a:xfrm>
+      </p:grpSpPr>
+      <p:sp>
+        <p:nvSpPr>
+          <p:cNvPr id="2" name="Titolo 1">
+            <a:extLst>
+              <a:ext uri="{FF2B5EF4-FFF2-40B4-BE49-F238E27FC236}">
+                <a16:creationId xmlns:a16="http://schemas.microsoft.com/office/drawing/2014/main" id="{7855A804-757E-4B54-A4A8-A5221E526889}"/>
+              </a:ext>
+            </a:extLst>
+          </p:cNvPr>
+          <p:cNvSpPr>
+            <a:spLocks noGrp="1"/>
+          </p:cNvSpPr>
+          <p:nvPr>
+            <p:ph type="title"/>
+          </p:nvPr>
+        </p:nvSpPr>
         <p:spPr/>
         <p:txBody>
           <a:bodyPr/>
@@ -9352,7 +10365,39 @@
             </a:pPr>
             <a:r>
               <a:rPr lang="it-IT" dirty="0"/>
-              <a:t>A) Extract 1 million of packets from the available data, replicate the statistical analysis observed during lecture 2 and trying to implement one additional evaluation (e.g. graph topology)</a:t>
+              <a:t>B) Using the same dataset, you can cut the time interval as you want trying to replicate or </a:t>
+            </a:r>
+            <a:r>
+              <a:rPr lang="it-IT" dirty="0" err="1"/>
+              <a:t>Supervised</a:t>
+            </a:r>
+            <a:r>
+              <a:rPr lang="it-IT" dirty="0"/>
+              <a:t> or </a:t>
+            </a:r>
+            <a:r>
+              <a:rPr lang="it-IT" dirty="0" err="1"/>
+              <a:t>Unsupervised</a:t>
+            </a:r>
+            <a:r>
+              <a:rPr lang="it-IT" dirty="0"/>
+              <a:t> </a:t>
+            </a:r>
+            <a:r>
+              <a:rPr lang="it-IT" dirty="0" err="1"/>
+              <a:t>classification</a:t>
+            </a:r>
+            <a:r>
+              <a:rPr lang="it-IT" dirty="0"/>
+              <a:t> </a:t>
+            </a:r>
+            <a:r>
+              <a:rPr lang="it-IT" dirty="0" err="1"/>
+              <a:t>problem</a:t>
+            </a:r>
+            <a:r>
+              <a:rPr lang="it-IT" dirty="0"/>
+              <a:t>. </a:t>
             </a:r>
           </a:p>
           <a:p>
@@ -9366,8 +10411,12 @@
               <a:buNone/>
             </a:pPr>
             <a:r>
+              <a:rPr lang="it-IT" dirty="0" err="1"/>
+              <a:t>Summarizing</a:t>
+            </a:r>
+            <a:r>
               <a:rPr lang="it-IT" dirty="0"/>
-              <a:t>B) Using the same dataset, you can cut the time interval as you want trying to replicate or Supervised methodology or Unsupervised methodology(). Summarizing results according to the accuracy and </a:t>
+              <a:t> results according to the accuracy and </a:t>
             </a:r>
             <a:r>
               <a:rPr lang="it-IT" dirty="0" err="1"/>
@@ -9383,7 +10432,95 @@
             </a:r>
             <a:r>
               <a:rPr lang="it-IT" dirty="0"/>
-              <a:t> related to the label considered.</a:t>
+              <a:t> related to the label(</a:t>
+            </a:r>
+            <a:r>
+              <a:rPr lang="it-IT" sz="2400" dirty="0"/>
+              <a:t>**</a:t>
+            </a:r>
+            <a:r>
+              <a:rPr lang="it-IT" dirty="0"/>
+              <a:t>) </a:t>
+            </a:r>
+            <a:r>
+              <a:rPr lang="it-IT" dirty="0" err="1"/>
+              <a:t>considered</a:t>
+            </a:r>
+            <a:r>
+              <a:rPr lang="it-IT" dirty="0"/>
+              <a:t>, </a:t>
+            </a:r>
+            <a:r>
+              <a:rPr lang="it-IT" dirty="0" err="1"/>
+              <a:t>you</a:t>
+            </a:r>
+            <a:r>
+              <a:rPr lang="it-IT" dirty="0"/>
+              <a:t> can </a:t>
+            </a:r>
+            <a:r>
+              <a:rPr lang="it-IT" dirty="0" err="1"/>
+              <a:t>add</a:t>
+            </a:r>
+            <a:r>
+              <a:rPr lang="it-IT" dirty="0"/>
+              <a:t> the more </a:t>
+            </a:r>
+            <a:r>
+              <a:rPr lang="it-IT" dirty="0" err="1"/>
+              <a:t>variables</a:t>
+            </a:r>
+            <a:r>
+              <a:rPr lang="it-IT" dirty="0"/>
+              <a:t> w.r.t. the paper </a:t>
+            </a:r>
+            <a:r>
+              <a:rPr lang="it-IT" dirty="0" err="1"/>
+              <a:t>analyzed</a:t>
+            </a:r>
+            <a:r>
+              <a:rPr lang="it-IT" dirty="0"/>
+              <a:t> </a:t>
+            </a:r>
+            <a:r>
+              <a:rPr lang="it-IT" dirty="0" err="1"/>
+              <a:t>but</a:t>
+            </a:r>
+            <a:r>
+              <a:rPr lang="it-IT" dirty="0"/>
+              <a:t> </a:t>
+            </a:r>
+            <a:r>
+              <a:rPr lang="it-IT" dirty="0" err="1"/>
+              <a:t>remember</a:t>
+            </a:r>
+            <a:r>
+              <a:rPr lang="it-IT" dirty="0"/>
+              <a:t> </a:t>
+            </a:r>
+            <a:r>
+              <a:rPr lang="it-IT" dirty="0" err="1"/>
+              <a:t>you</a:t>
+            </a:r>
+            <a:r>
+              <a:rPr lang="it-IT" dirty="0"/>
+              <a:t> must work with </a:t>
+            </a:r>
+            <a:r>
+              <a:rPr lang="it-IT" u="sng" dirty="0"/>
+              <a:t>flow </a:t>
+            </a:r>
+            <a:r>
+              <a:rPr lang="it-IT" u="sng" dirty="0" err="1"/>
+              <a:t>based</a:t>
+            </a:r>
+            <a:r>
+              <a:rPr lang="it-IT" u="sng" dirty="0"/>
+              <a:t> features</a:t>
+            </a:r>
+            <a:r>
+              <a:rPr lang="it-IT" dirty="0"/>
+              <a:t>.</a:t>
             </a:r>
           </a:p>
           <a:p>
@@ -9400,7 +10537,7 @@
     </p:spTree>
     <p:extLst>
       <p:ext uri="{BB962C8B-B14F-4D97-AF65-F5344CB8AC3E}">
-        <p14:creationId xmlns:p14="http://schemas.microsoft.com/office/powerpoint/2010/main" val="2845226192"/>
+        <p14:creationId xmlns:p14="http://schemas.microsoft.com/office/powerpoint/2010/main" val="2041815114"/>
       </p:ext>
     </p:extLst>
   </p:cSld>
@@ -9410,7 +10547,7 @@
 </p:sld>
 </file>
 
-<file path=ppt/slides/slide26.xml><?xml version="1.0" encoding="utf-8"?>
+<file path=ppt/slides/slide29.xml><?xml version="1.0" encoding="utf-8"?>
 <p:sld xmlns:a="http://schemas.openxmlformats.org/drawingml/2006/main" xmlns:r="http://schemas.openxmlformats.org/officeDocument/2006/relationships" xmlns:p="http://schemas.openxmlformats.org/presentationml/2006/main">
   <p:cSld>
     <p:spTree>
@@ -10958,14 +12095,14 @@
           <a:effectLst/>
           <a:extLst>
             <a:ext uri="{909E8E84-426E-40dd-AFC4-6F175D3DCCD1}">
-              <a14:hiddenFill xmlns:a14="http://schemas.microsoft.com/office/drawing/2010/main" xmlns="">
+              <a14:hiddenFill xmlns="" xmlns:a14="http://schemas.microsoft.com/office/drawing/2010/main">
                 <a:solidFill>
                   <a:schemeClr val="accent1"/>
                 </a:solidFill>
               </a14:hiddenFill>
             </a:ext>
             <a:ext uri="{91240B29-F687-4f45-9708-019B960494DF}">
-              <a14:hiddenLine xmlns:a14="http://schemas.microsoft.com/office/drawing/2010/main" xmlns="" w="9525" cap="flat" cmpd="sng" algn="ctr">
+              <a14:hiddenLine xmlns="" xmlns:a14="http://schemas.microsoft.com/office/drawing/2010/main" w="9525" cap="flat" cmpd="sng" algn="ctr">
                 <a:solidFill>
                   <a:schemeClr val="tx1"/>
                 </a:solidFill>
@@ -10976,7 +12113,7 @@
               </a14:hiddenLine>
             </a:ext>
             <a:ext uri="{AF507438-7753-43e0-B8FC-AC1667EBCBE1}">
-              <a14:hiddenEffects xmlns:a14="http://schemas.microsoft.com/office/drawing/2010/main" xmlns="">
+              <a14:hiddenEffects xmlns="" xmlns:a14="http://schemas.microsoft.com/office/drawing/2010/main">
                 <a:effectLst>
                   <a:outerShdw blurRad="63500" dist="38099" dir="2700000" algn="ctr" rotWithShape="0">
                     <a:srgbClr val="000000">
@@ -11059,14 +12196,14 @@
           <a:effectLst/>
           <a:extLst>
             <a:ext uri="{909E8E84-426E-40dd-AFC4-6F175D3DCCD1}">
-              <a14:hiddenFill xmlns:a14="http://schemas.microsoft.com/office/drawing/2010/main" xmlns="">
+              <a14:hiddenFill xmlns="" xmlns:a14="http://schemas.microsoft.com/office/drawing/2010/main">
                 <a:solidFill>
                   <a:schemeClr val="accent1"/>
                 </a:solidFill>
               </a14:hiddenFill>
             </a:ext>
             <a:ext uri="{91240B29-F687-4f45-9708-019B960494DF}">
-              <a14:hiddenLine xmlns:a14="http://schemas.microsoft.com/office/drawing/2010/main" xmlns="" w="9525" cap="flat" cmpd="sng" algn="ctr">
+              <a14:hiddenLine xmlns="" xmlns:a14="http://schemas.microsoft.com/office/drawing/2010/main" w="9525" cap="flat" cmpd="sng" algn="ctr">
                 <a:solidFill>
                   <a:schemeClr val="tx1"/>
                 </a:solidFill>
@@ -11077,7 +12214,7 @@
               </a14:hiddenLine>
             </a:ext>
             <a:ext uri="{AF507438-7753-43e0-B8FC-AC1667EBCBE1}">
-              <a14:hiddenEffects xmlns:a14="http://schemas.microsoft.com/office/drawing/2010/main" xmlns="">
+              <a14:hiddenEffects xmlns="" xmlns:a14="http://schemas.microsoft.com/office/drawing/2010/main">
                 <a:effectLst>
                   <a:outerShdw blurRad="63500" dist="38099" dir="2700000" algn="ctr" rotWithShape="0">
                     <a:srgbClr val="000000">
@@ -11160,14 +12297,14 @@
           <a:effectLst/>
           <a:extLst>
             <a:ext uri="{909E8E84-426E-40dd-AFC4-6F175D3DCCD1}">
-              <a14:hiddenFill xmlns:a14="http://schemas.microsoft.com/office/drawing/2010/main" xmlns="">
+              <a14:hiddenFill xmlns="" xmlns:a14="http://schemas.microsoft.com/office/drawing/2010/main">
                 <a:solidFill>
                   <a:schemeClr val="accent1"/>
                 </a:solidFill>
               </a14:hiddenFill>
             </a:ext>
             <a:ext uri="{91240B29-F687-4f45-9708-019B960494DF}">
-              <a14:hiddenLine xmlns:a14="http://schemas.microsoft.com/office/drawing/2010/main" xmlns="" w="9525" cap="flat" cmpd="sng" algn="ctr">
+              <a14:hiddenLine xmlns="" xmlns:a14="http://schemas.microsoft.com/office/drawing/2010/main" w="9525" cap="flat" cmpd="sng" algn="ctr">
                 <a:solidFill>
                   <a:schemeClr val="tx1"/>
                 </a:solidFill>
@@ -11178,7 +12315,7 @@
               </a14:hiddenLine>
             </a:ext>
             <a:ext uri="{AF507438-7753-43e0-B8FC-AC1667EBCBE1}">
-              <a14:hiddenEffects xmlns:a14="http://schemas.microsoft.com/office/drawing/2010/main" xmlns="">
+              <a14:hiddenEffects xmlns="" xmlns:a14="http://schemas.microsoft.com/office/drawing/2010/main">
                 <a:effectLst>
                   <a:outerShdw blurRad="63500" dist="38099" dir="2700000" algn="ctr" rotWithShape="0">
                     <a:srgbClr val="000000">
@@ -11261,14 +12398,14 @@
           <a:effectLst/>
           <a:extLst>
             <a:ext uri="{909E8E84-426E-40dd-AFC4-6F175D3DCCD1}">
-              <a14:hiddenFill xmlns:a14="http://schemas.microsoft.com/office/drawing/2010/main" xmlns="">
+              <a14:hiddenFill xmlns="" xmlns:a14="http://schemas.microsoft.com/office/drawing/2010/main">
                 <a:solidFill>
                   <a:schemeClr val="accent1"/>
                 </a:solidFill>
               </a14:hiddenFill>
             </a:ext>
             <a:ext uri="{91240B29-F687-4f45-9708-019B960494DF}">
-              <a14:hiddenLine xmlns:a14="http://schemas.microsoft.com/office/drawing/2010/main" xmlns="" w="9525" cap="flat" cmpd="sng" algn="ctr">
+              <a14:hiddenLine xmlns="" xmlns:a14="http://schemas.microsoft.com/office/drawing/2010/main" w="9525" cap="flat" cmpd="sng" algn="ctr">
                 <a:solidFill>
                   <a:schemeClr val="tx1"/>
                 </a:solidFill>
@@ -11279,7 +12416,7 @@
               </a14:hiddenLine>
             </a:ext>
             <a:ext uri="{AF507438-7753-43e0-B8FC-AC1667EBCBE1}">
-              <a14:hiddenEffects xmlns:a14="http://schemas.microsoft.com/office/drawing/2010/main" xmlns="">
+              <a14:hiddenEffects xmlns="" xmlns:a14="http://schemas.microsoft.com/office/drawing/2010/main">
                 <a:effectLst>
                   <a:outerShdw blurRad="63500" dist="38099" dir="2700000" algn="ctr" rotWithShape="0">
                     <a:srgbClr val="000000">
@@ -11407,14 +12544,14 @@
           </a:ln>
           <a:extLst>
             <a:ext uri="{909E8E84-426E-40dd-AFC4-6F175D3DCCD1}">
-              <a14:hiddenFill xmlns:a14="http://schemas.microsoft.com/office/drawing/2010/main" xmlns="">
+              <a14:hiddenFill xmlns="" xmlns:a14="http://schemas.microsoft.com/office/drawing/2010/main">
                 <a:solidFill>
                   <a:schemeClr val="accent1"/>
                 </a:solidFill>
               </a14:hiddenFill>
             </a:ext>
             <a:ext uri="{91240B29-F687-4f45-9708-019B960494DF}">
-              <a14:hiddenLine xmlns:a14="http://schemas.microsoft.com/office/drawing/2010/main" xmlns="" w="9525" cap="flat" cmpd="sng" algn="ctr">
+              <a14:hiddenLine xmlns="" xmlns:a14="http://schemas.microsoft.com/office/drawing/2010/main" w="9525" cap="flat" cmpd="sng" algn="ctr">
                 <a:solidFill>
                   <a:schemeClr val="tx1"/>
                 </a:solidFill>
@@ -11425,7 +12562,7 @@
               </a14:hiddenLine>
             </a:ext>
             <a:ext uri="{AF507438-7753-43e0-B8FC-AC1667EBCBE1}">
-              <a14:hiddenEffects xmlns:a14="http://schemas.microsoft.com/office/drawing/2010/main" xmlns="">
+              <a14:hiddenEffects xmlns="" xmlns:a14="http://schemas.microsoft.com/office/drawing/2010/main">
                 <a:effectLst>
                   <a:outerShdw blurRad="63500" dist="38099" dir="2700000" algn="ctr" rotWithShape="0">
                     <a:srgbClr val="000000">
@@ -11480,14 +12617,14 @@
           </a:ln>
           <a:extLst>
             <a:ext uri="{909E8E84-426E-40dd-AFC4-6F175D3DCCD1}">
-              <a14:hiddenFill xmlns="" xmlns:a14="http://schemas.microsoft.com/office/drawing/2010/main">
+              <a14:hiddenFill xmlns:a14="http://schemas.microsoft.com/office/drawing/2010/main" xmlns="">
                 <a:solidFill>
                   <a:schemeClr val="accent1"/>
                 </a:solidFill>
               </a14:hiddenFill>
             </a:ext>
             <a:ext uri="{91240B29-F687-4f45-9708-019B960494DF}">
-              <a14:hiddenLine xmlns="" xmlns:a14="http://schemas.microsoft.com/office/drawing/2010/main" w="9525" cap="flat" cmpd="sng" algn="ctr">
+              <a14:hiddenLine xmlns:a14="http://schemas.microsoft.com/office/drawing/2010/main" xmlns="" w="9525" cap="flat" cmpd="sng" algn="ctr">
                 <a:solidFill>
                   <a:schemeClr val="tx1"/>
                 </a:solidFill>
@@ -11498,7 +12635,7 @@
               </a14:hiddenLine>
             </a:ext>
             <a:ext uri="{AF507438-7753-43e0-B8FC-AC1667EBCBE1}">
-              <a14:hiddenEffects xmlns="" xmlns:a14="http://schemas.microsoft.com/office/drawing/2010/main">
+              <a14:hiddenEffects xmlns:a14="http://schemas.microsoft.com/office/drawing/2010/main" xmlns="">
                 <a:effectLst>
                   <a:outerShdw blurRad="63500" dist="38099" dir="2700000" algn="ctr" rotWithShape="0">
                     <a:srgbClr val="000000">
@@ -11553,14 +12690,14 @@
           <a:effectLst/>
           <a:extLst>
             <a:ext uri="{909E8E84-426E-40dd-AFC4-6F175D3DCCD1}">
-              <a14:hiddenFill xmlns:a14="http://schemas.microsoft.com/office/drawing/2010/main" xmlns="">
+              <a14:hiddenFill xmlns="" xmlns:a14="http://schemas.microsoft.com/office/drawing/2010/main">
                 <a:solidFill>
                   <a:schemeClr val="accent1"/>
                 </a:solidFill>
               </a14:hiddenFill>
             </a:ext>
             <a:ext uri="{91240B29-F687-4f45-9708-019B960494DF}">
-              <a14:hiddenLine xmlns:a14="http://schemas.microsoft.com/office/drawing/2010/main" xmlns="" w="9525" cap="flat" cmpd="sng" algn="ctr">
+              <a14:hiddenLine xmlns="" xmlns:a14="http://schemas.microsoft.com/office/drawing/2010/main" w="9525" cap="flat" cmpd="sng" algn="ctr">
                 <a:solidFill>
                   <a:schemeClr val="tx1"/>
                 </a:solidFill>
@@ -11571,7 +12708,7 @@
               </a14:hiddenLine>
             </a:ext>
             <a:ext uri="{AF507438-7753-43e0-B8FC-AC1667EBCBE1}">
-              <a14:hiddenEffects xmlns:a14="http://schemas.microsoft.com/office/drawing/2010/main" xmlns="">
+              <a14:hiddenEffects xmlns="" xmlns:a14="http://schemas.microsoft.com/office/drawing/2010/main">
                 <a:effectLst>
                   <a:outerShdw blurRad="63500" dist="38099" dir="2700000" algn="ctr" rotWithShape="0">
                     <a:srgbClr val="000000">
@@ -11612,14 +12749,14 @@
           </a:ln>
           <a:extLst>
             <a:ext uri="{909E8E84-426E-40dd-AFC4-6F175D3DCCD1}">
-              <a14:hiddenFill xmlns="" xmlns:a14="http://schemas.microsoft.com/office/drawing/2010/main">
+              <a14:hiddenFill xmlns:a14="http://schemas.microsoft.com/office/drawing/2010/main" xmlns="">
                 <a:solidFill>
                   <a:schemeClr val="accent1"/>
                 </a:solidFill>
               </a14:hiddenFill>
             </a:ext>
             <a:ext uri="{91240B29-F687-4f45-9708-019B960494DF}">
-              <a14:hiddenLine xmlns="" xmlns:a14="http://schemas.microsoft.com/office/drawing/2010/main" w="9525" cap="flat" cmpd="sng" algn="ctr">
+              <a14:hiddenLine xmlns:a14="http://schemas.microsoft.com/office/drawing/2010/main" xmlns="" w="9525" cap="flat" cmpd="sng" algn="ctr">
                 <a:solidFill>
                   <a:schemeClr val="tx1"/>
                 </a:solidFill>
@@ -11630,7 +12767,7 @@
               </a14:hiddenLine>
             </a:ext>
             <a:ext uri="{AF507438-7753-43e0-B8FC-AC1667EBCBE1}">
-              <a14:hiddenEffects xmlns="" xmlns:a14="http://schemas.microsoft.com/office/drawing/2010/main">
+              <a14:hiddenEffects xmlns:a14="http://schemas.microsoft.com/office/drawing/2010/main" xmlns="">
                 <a:effectLst>
                   <a:outerShdw blurRad="63500" dist="38099" dir="2700000" algn="ctr" rotWithShape="0">
                     <a:srgbClr val="000000">
@@ -12169,14 +13306,14 @@
           </a:ln>
           <a:extLst>
             <a:ext uri="{909E8E84-426E-40dd-AFC4-6F175D3DCCD1}">
-              <a14:hiddenFill xmlns:a14="http://schemas.microsoft.com/office/drawing/2010/main" xmlns="">
+              <a14:hiddenFill xmlns="" xmlns:a14="http://schemas.microsoft.com/office/drawing/2010/main">
                 <a:solidFill>
                   <a:schemeClr val="accent1"/>
                 </a:solidFill>
               </a14:hiddenFill>
             </a:ext>
             <a:ext uri="{91240B29-F687-4f45-9708-019B960494DF}">
-              <a14:hiddenLine xmlns:a14="http://schemas.microsoft.com/office/drawing/2010/main" xmlns="" w="9525" cap="flat" cmpd="sng" algn="ctr">
+              <a14:hiddenLine xmlns="" xmlns:a14="http://schemas.microsoft.com/office/drawing/2010/main" w="9525" cap="flat" cmpd="sng" algn="ctr">
                 <a:solidFill>
                   <a:schemeClr val="tx1"/>
                 </a:solidFill>
@@ -12187,7 +13324,7 @@
               </a14:hiddenLine>
             </a:ext>
             <a:ext uri="{AF507438-7753-43e0-B8FC-AC1667EBCBE1}">
-              <a14:hiddenEffects xmlns:a14="http://schemas.microsoft.com/office/drawing/2010/main" xmlns="">
+              <a14:hiddenEffects xmlns="" xmlns:a14="http://schemas.microsoft.com/office/drawing/2010/main">
                 <a:effectLst>
                   <a:outerShdw blurRad="63500" dist="38099" dir="2700000" algn="ctr" rotWithShape="0">
                     <a:srgbClr val="000000">
@@ -14246,14 +15383,14 @@
         <a:effectLst/>
         <a:extLst>
           <a:ext uri="{909E8E84-426E-40dd-AFC4-6F175D3DCCD1}">
-            <a14:hiddenFill xmlns="" xmlns:a14="http://schemas.microsoft.com/office/drawing/2010/main">
+            <a14:hiddenFill xmlns:a14="http://schemas.microsoft.com/office/drawing/2010/main" xmlns="">
               <a:solidFill>
                 <a:schemeClr val="accent1"/>
               </a:solidFill>
             </a14:hiddenFill>
           </a:ext>
           <a:ext uri="{91240B29-F687-4f45-9708-019B960494DF}">
-            <a14:hiddenLine xmlns="" xmlns:a14="http://schemas.microsoft.com/office/drawing/2010/main" w="9525" cap="flat" cmpd="sng" algn="ctr">
+            <a14:hiddenLine xmlns:a14="http://schemas.microsoft.com/office/drawing/2010/main" xmlns="" w="9525" cap="flat" cmpd="sng" algn="ctr">
               <a:solidFill>
                 <a:schemeClr val="tx1"/>
               </a:solidFill>
@@ -14264,7 +15401,7 @@
             </a14:hiddenLine>
           </a:ext>
           <a:ext uri="{AF507438-7753-43e0-B8FC-AC1667EBCBE1}">
-            <a14:hiddenEffects xmlns="" xmlns:a14="http://schemas.microsoft.com/office/drawing/2010/main">
+            <a14:hiddenEffects xmlns:a14="http://schemas.microsoft.com/office/drawing/2010/main" xmlns="">
               <a:effectLst>
                 <a:outerShdw blurRad="63500" dist="38099" dir="2700000" algn="ctr" rotWithShape="0">
                   <a:srgbClr val="000000">
@@ -14333,14 +15470,14 @@
         <a:effectLst/>
         <a:extLst>
           <a:ext uri="{909E8E84-426E-40dd-AFC4-6F175D3DCCD1}">
-            <a14:hiddenFill xmlns="" xmlns:a14="http://schemas.microsoft.com/office/drawing/2010/main">
+            <a14:hiddenFill xmlns:a14="http://schemas.microsoft.com/office/drawing/2010/main" xmlns="">
               <a:solidFill>
                 <a:schemeClr val="accent1"/>
               </a:solidFill>
             </a14:hiddenFill>
           </a:ext>
           <a:ext uri="{91240B29-F687-4f45-9708-019B960494DF}">
-            <a14:hiddenLine xmlns="" xmlns:a14="http://schemas.microsoft.com/office/drawing/2010/main" w="9525" cap="flat" cmpd="sng" algn="ctr">
+            <a14:hiddenLine xmlns:a14="http://schemas.microsoft.com/office/drawing/2010/main" xmlns="" w="9525" cap="flat" cmpd="sng" algn="ctr">
               <a:solidFill>
                 <a:schemeClr val="tx1"/>
               </a:solidFill>
@@ -14351,7 +15488,7 @@
             </a14:hiddenLine>
           </a:ext>
           <a:ext uri="{AF507438-7753-43e0-B8FC-AC1667EBCBE1}">
-            <a14:hiddenEffects xmlns="" xmlns:a14="http://schemas.microsoft.com/office/drawing/2010/main">
+            <a14:hiddenEffects xmlns:a14="http://schemas.microsoft.com/office/drawing/2010/main" xmlns="">
               <a:effectLst>
                 <a:outerShdw blurRad="63500" dist="38099" dir="2700000" algn="ctr" rotWithShape="0">
                   <a:srgbClr val="000000">

--- a/Lecture 3/Lecture 3.pptx
+++ b/Lecture 3/Lecture 3.pptx
@@ -5,10 +5,10 @@
     <p:sldMasterId id="2147483678" r:id="rId1"/>
   </p:sldMasterIdLst>
   <p:notesMasterIdLst>
-    <p:notesMasterId r:id="rId31"/>
+    <p:notesMasterId r:id="rId32"/>
   </p:notesMasterIdLst>
   <p:handoutMasterIdLst>
-    <p:handoutMasterId r:id="rId32"/>
+    <p:handoutMasterId r:id="rId33"/>
   </p:handoutMasterIdLst>
   <p:sldIdLst>
     <p:sldId id="350" r:id="rId2"/>
@@ -34,12 +34,13 @@
     <p:sldId id="321" r:id="rId22"/>
     <p:sldId id="322" r:id="rId23"/>
     <p:sldId id="323" r:id="rId24"/>
-    <p:sldId id="358" r:id="rId25"/>
-    <p:sldId id="359" r:id="rId26"/>
-    <p:sldId id="360" r:id="rId27"/>
-    <p:sldId id="362" r:id="rId28"/>
-    <p:sldId id="361" r:id="rId29"/>
-    <p:sldId id="324" r:id="rId30"/>
+    <p:sldId id="363" r:id="rId25"/>
+    <p:sldId id="358" r:id="rId26"/>
+    <p:sldId id="359" r:id="rId27"/>
+    <p:sldId id="360" r:id="rId28"/>
+    <p:sldId id="362" r:id="rId29"/>
+    <p:sldId id="361" r:id="rId30"/>
+    <p:sldId id="324" r:id="rId31"/>
   </p:sldIdLst>
   <p:sldSz cx="9144000" cy="6858000" type="screen4x3"/>
   <p:notesSz cx="6858000" cy="9144000"/>
@@ -8294,7 +8295,15 @@
             </a:r>
             <a:r>
               <a:rPr lang="it-IT" kern="0" dirty="0"/>
-              <a:t>knowledge aboute the optimal number of clusters (k), it is determined by the elbow method analysis. </a:t>
+              <a:t>knowledge </a:t>
+            </a:r>
+            <a:r>
+              <a:rPr lang="it-IT" kern="0" dirty="0" err="1"/>
+              <a:t>about</a:t>
+            </a:r>
+            <a:r>
+              <a:rPr lang="it-IT" kern="0" dirty="0"/>
+              <a:t> the optimal number of clusters (k), it is determined by the elbow method analysis. </a:t>
             </a:r>
           </a:p>
           <a:p>
@@ -9188,10 +9197,10 @@
       </p:grpSpPr>
       <p:sp>
         <p:nvSpPr>
-          <p:cNvPr id="2" name="Titolo 1">
+          <p:cNvPr id="17409" name="Titolo 6">
             <a:extLst>
               <a:ext uri="{FF2B5EF4-FFF2-40B4-BE49-F238E27FC236}">
-                <a16:creationId xmlns:a16="http://schemas.microsoft.com/office/drawing/2014/main" id="{7855A804-757E-4B54-A4A8-A5221E526889}"/>
+                <a16:creationId xmlns:a16="http://schemas.microsoft.com/office/drawing/2014/main" id="{DA856008-E8F8-4B36-9986-8589371304C9}"/>
               </a:ext>
             </a:extLst>
           </p:cNvPr>
@@ -9199,110 +9208,47 @@
             <a:spLocks noGrp="1"/>
           </p:cNvSpPr>
           <p:nvPr>
-            <p:ph type="title"/>
-          </p:nvPr>
-        </p:nvSpPr>
-        <p:spPr/>
-        <p:txBody>
-          <a:bodyPr/>
-          <a:lstStyle/>
-          <a:p>
-            <a:r>
-              <a:rPr lang="it-IT" dirty="0"/>
-              <a:t>Project Assignment (Dataset)</a:t>
-            </a:r>
-          </a:p>
-        </p:txBody>
-      </p:sp>
-      <p:sp>
-        <p:nvSpPr>
-          <p:cNvPr id="4" name="Segnaposto contenuto 3">
-            <a:extLst>
-              <a:ext uri="{FF2B5EF4-FFF2-40B4-BE49-F238E27FC236}">
-                <a16:creationId xmlns:a16="http://schemas.microsoft.com/office/drawing/2014/main" id="{1B9F181D-C53C-4ADF-B871-B3DD739C905D}"/>
-              </a:ext>
-            </a:extLst>
-          </p:cNvPr>
-          <p:cNvSpPr>
-            <a:spLocks noGrp="1"/>
-          </p:cNvSpPr>
-          <p:nvPr>
-            <p:ph sz="half" idx="2"/>
+            <p:ph type="ctrTitle"/>
           </p:nvPr>
         </p:nvSpPr>
         <p:spPr>
           <a:xfrm>
-            <a:off x="611560" y="1752600"/>
-            <a:ext cx="7632848" cy="4114800"/>
+            <a:off x="685800" y="2204864"/>
+            <a:ext cx="7772400" cy="938535"/>
           </a:xfrm>
         </p:spPr>
+        <p:style>
+          <a:lnRef idx="3">
+            <a:schemeClr val="lt1"/>
+          </a:lnRef>
+          <a:fillRef idx="1">
+            <a:schemeClr val="dk1"/>
+          </a:fillRef>
+          <a:effectRef idx="1">
+            <a:schemeClr val="dk1"/>
+          </a:effectRef>
+          <a:fontRef idx="minor">
+            <a:schemeClr val="lt1"/>
+          </a:fontRef>
+        </p:style>
         <p:txBody>
           <a:bodyPr/>
           <a:lstStyle/>
           <a:p>
-            <a:r>
-              <a:rPr lang="it-IT" dirty="0">
-                <a:highlight>
-                  <a:srgbClr val="FFFF00"/>
-                </a:highlight>
+            <a:pPr eaLnBrk="1" hangingPunct="1"/>
+            <a:r>
+              <a:rPr lang="en-GB" altLang="it-IT" sz="4800" dirty="0">
+                <a:latin typeface="Calibri" panose="020F0502020204030204" pitchFamily="34" charset="0"/>
               </a:rPr>
-              <a:t>Data:</a:t>
-            </a:r>
-          </a:p>
-          <a:p>
-            <a:endParaRPr lang="it-IT" dirty="0">
-              <a:highlight>
-                <a:srgbClr val="FFFF00"/>
-              </a:highlight>
-            </a:endParaRPr>
-          </a:p>
-          <a:p>
-            <a:pPr marL="0" indent="0">
-              <a:buNone/>
-            </a:pPr>
-            <a:r>
-              <a:rPr lang="it-IT" dirty="0">
-                <a:hlinkClick r:id="rId2"/>
-              </a:rPr>
-              <a:t>https://drive.google.com/drive/folders/1YMwwPoekwJrw_-UYkZYUkTFqC8bqAy0F?usp=sharing</a:t>
-            </a:r>
-            <a:endParaRPr lang="it-IT" dirty="0"/>
-          </a:p>
-          <a:p>
-            <a:pPr marL="0" indent="0">
-              <a:buNone/>
-            </a:pPr>
-            <a:endParaRPr lang="it-IT" dirty="0"/>
-          </a:p>
-          <a:p>
-            <a:pPr marL="0" indent="0">
-              <a:buNone/>
-            </a:pPr>
-            <a:r>
-              <a:rPr lang="it-IT" dirty="0"/>
-              <a:t>This dataset is provided by the Mawi Project, the total amount of the trace is 5Mln of packets retrieved from the traffic trace of 10/04/2019.</a:t>
-            </a:r>
-          </a:p>
-          <a:p>
-            <a:pPr marL="0" indent="0">
-              <a:buNone/>
-            </a:pPr>
-            <a:r>
-              <a:rPr lang="it-IT" dirty="0"/>
-              <a:t> </a:t>
-            </a:r>
-            <a:r>
-              <a:rPr lang="it-IT" sz="1800" dirty="0"/>
-              <a:t>(https://mawi.wide.ad.jp/mawi/samplepoint-G/2019/201904101400.html) </a:t>
-            </a:r>
-            <a:endParaRPr lang="it-IT" dirty="0"/>
+              <a:t>Final Project</a:t>
+            </a:r>
           </a:p>
         </p:txBody>
       </p:sp>
     </p:spTree>
     <p:extLst>
       <p:ext uri="{BB962C8B-B14F-4D97-AF65-F5344CB8AC3E}">
-        <p14:creationId xmlns:p14="http://schemas.microsoft.com/office/powerpoint/2010/main" val="1699824317"/>
+        <p14:creationId xmlns:p14="http://schemas.microsoft.com/office/powerpoint/2010/main" val="3279217527"/>
       </p:ext>
     </p:extLst>
   </p:cSld>
@@ -9345,19 +9291,14 @@
             <p:ph type="title"/>
           </p:nvPr>
         </p:nvSpPr>
-        <p:spPr>
-          <a:xfrm>
-            <a:off x="1259632" y="980728"/>
-            <a:ext cx="7415659" cy="504825"/>
-          </a:xfrm>
-        </p:spPr>
+        <p:spPr/>
         <p:txBody>
           <a:bodyPr/>
           <a:lstStyle/>
           <a:p>
             <a:r>
               <a:rPr lang="it-IT" dirty="0"/>
-              <a:t>Project Assignment</a:t>
+              <a:t>Project Assignment (Dataset)</a:t>
             </a:r>
           </a:p>
         </p:txBody>
@@ -9380,54 +9321,24 @@
         </p:nvSpPr>
         <p:spPr>
           <a:xfrm>
-            <a:off x="257234" y="1556792"/>
-            <a:ext cx="8856984" cy="4412704"/>
+            <a:off x="611560" y="1752600"/>
+            <a:ext cx="7632848" cy="4114800"/>
           </a:xfrm>
         </p:spPr>
         <p:txBody>
           <a:bodyPr/>
           <a:lstStyle/>
           <a:p>
-            <a:pPr marL="457200" indent="-457200" algn="ctr">
-              <a:buAutoNum type="alphaUcParenR"/>
-            </a:pPr>
-            <a:r>
-              <a:rPr lang="it-IT" dirty="0" err="1"/>
-              <a:t>Extract</a:t>
-            </a:r>
-            <a:r>
-              <a:rPr lang="it-IT" dirty="0"/>
-              <a:t> 1 million of packets from the available data, replicate the statistical analysis observed </a:t>
-            </a:r>
-            <a:r>
-              <a:rPr lang="it-IT" dirty="0" err="1"/>
-              <a:t>during</a:t>
-            </a:r>
-            <a:r>
-              <a:rPr lang="it-IT" dirty="0"/>
-              <a:t> </a:t>
-            </a:r>
-            <a:r>
-              <a:rPr lang="it-IT" dirty="0" err="1"/>
-              <a:t>Lecture</a:t>
-            </a:r>
-            <a:r>
-              <a:rPr lang="it-IT" dirty="0"/>
-              <a:t> 2. </a:t>
-            </a:r>
             <a:r>
               <a:rPr lang="it-IT" dirty="0">
                 <a:highlight>
                   <a:srgbClr val="FFFF00"/>
                 </a:highlight>
               </a:rPr>
-              <a:t>FOLLOW the LIST!</a:t>
-            </a:r>
-          </a:p>
-          <a:p>
-            <a:pPr marL="457200" indent="-457200" algn="ctr">
-              <a:buAutoNum type="alphaUcParenR"/>
-            </a:pPr>
+              <a:t>Data:</a:t>
+            </a:r>
+          </a:p>
+          <a:p>
             <a:endParaRPr lang="it-IT" dirty="0">
               <a:highlight>
                 <a:srgbClr val="FFFF00"/>
@@ -9435,261 +9346,44 @@
             </a:endParaRPr>
           </a:p>
           <a:p>
-            <a:pPr marL="857250" lvl="1" indent="-457200">
-              <a:buAutoNum type="arabicParenR"/>
-            </a:pPr>
-            <a:r>
-              <a:rPr lang="it-IT" dirty="0" err="1"/>
-              <a:t>Extract</a:t>
-            </a:r>
+            <a:pPr marL="0" indent="0">
+              <a:buNone/>
+            </a:pPr>
+            <a:r>
+              <a:rPr lang="it-IT" dirty="0">
+                <a:hlinkClick r:id="rId2"/>
+              </a:rPr>
+              <a:t>https://drive.google.com/drive/folders/1YMwwPoekwJrw_-UYkZYUkTFqC8bqAy0F?usp=sharing</a:t>
+            </a:r>
+            <a:endParaRPr lang="it-IT" dirty="0"/>
+          </a:p>
+          <a:p>
+            <a:pPr marL="0" indent="0">
+              <a:buNone/>
+            </a:pPr>
+            <a:endParaRPr lang="it-IT" dirty="0"/>
+          </a:p>
+          <a:p>
+            <a:pPr marL="0" indent="0">
+              <a:buNone/>
+            </a:pPr>
             <a:r>
               <a:rPr lang="it-IT" dirty="0"/>
-              <a:t> general info from </a:t>
-            </a:r>
-            <a:r>
-              <a:rPr lang="it-IT" dirty="0" err="1"/>
-              <a:t>your</a:t>
-            </a:r>
-            <a:r>
-              <a:rPr lang="it-IT" dirty="0"/>
-              <a:t> trace </a:t>
-            </a:r>
-            <a:r>
-              <a:rPr lang="it-IT" dirty="0" err="1"/>
-              <a:t>using</a:t>
-            </a:r>
+              <a:t>This dataset is provided by the Mawi Project, the total amount of the trace is 5Mln of packets retrieved from the traffic trace of 10/04/2019.</a:t>
+            </a:r>
+          </a:p>
+          <a:p>
+            <a:pPr marL="0" indent="0">
+              <a:buNone/>
+            </a:pPr>
             <a:r>
               <a:rPr lang="it-IT" dirty="0"/>
               <a:t> </a:t>
             </a:r>
             <a:r>
-              <a:rPr lang="it-IT" dirty="0" err="1"/>
-              <a:t>capinfos</a:t>
-            </a:r>
-            <a:r>
-              <a:rPr lang="it-IT" dirty="0"/>
-              <a:t>;</a:t>
-            </a:r>
-          </a:p>
-          <a:p>
-            <a:pPr marL="857250" lvl="1" indent="-457200">
-              <a:buAutoNum type="arabicParenR"/>
-            </a:pPr>
-            <a:endParaRPr lang="it-IT" dirty="0"/>
-          </a:p>
-          <a:p>
-            <a:pPr marL="857250" lvl="1" indent="-457200">
-              <a:buAutoNum type="arabicParenR"/>
-            </a:pPr>
-            <a:r>
-              <a:rPr lang="it-IT" dirty="0"/>
-              <a:t>Time Evaluation </a:t>
-            </a:r>
-            <a:r>
-              <a:rPr lang="it-IT" dirty="0" err="1"/>
-              <a:t>between</a:t>
-            </a:r>
-            <a:r>
-              <a:rPr lang="it-IT" dirty="0"/>
-              <a:t> </a:t>
-            </a:r>
-            <a:r>
-              <a:rPr lang="it-IT" dirty="0" err="1"/>
-              <a:t>Sequential</a:t>
-            </a:r>
-            <a:r>
-              <a:rPr lang="it-IT" dirty="0"/>
-              <a:t> and </a:t>
-            </a:r>
-            <a:r>
-              <a:rPr lang="it-IT" dirty="0" err="1"/>
-              <a:t>Parallel</a:t>
-            </a:r>
-            <a:r>
-              <a:rPr lang="it-IT" dirty="0"/>
-              <a:t> reading;</a:t>
-            </a:r>
-          </a:p>
-          <a:p>
-            <a:pPr marL="857250" lvl="1" indent="-457200">
-              <a:buAutoNum type="arabicParenR"/>
-            </a:pPr>
-            <a:endParaRPr lang="it-IT" dirty="0"/>
-          </a:p>
-          <a:p>
-            <a:pPr marL="857250" lvl="1" indent="-457200">
-              <a:buAutoNum type="arabicParenR"/>
-            </a:pPr>
-            <a:r>
-              <a:rPr lang="it-IT" dirty="0" err="1"/>
-              <a:t>Extract</a:t>
-            </a:r>
-            <a:r>
-              <a:rPr lang="it-IT" dirty="0"/>
-              <a:t> the IP </a:t>
-            </a:r>
-            <a:r>
-              <a:rPr lang="it-IT" dirty="0" err="1"/>
-              <a:t>which</a:t>
-            </a:r>
-            <a:r>
-              <a:rPr lang="it-IT" dirty="0"/>
-              <a:t> </a:t>
-            </a:r>
-            <a:r>
-              <a:rPr lang="it-IT" dirty="0" err="1"/>
-              <a:t>generates</a:t>
-            </a:r>
-            <a:r>
-              <a:rPr lang="it-IT" dirty="0"/>
-              <a:t> the </a:t>
-            </a:r>
-            <a:r>
-              <a:rPr lang="it-IT" dirty="0" err="1"/>
-              <a:t>highest</a:t>
-            </a:r>
-            <a:r>
-              <a:rPr lang="it-IT" dirty="0"/>
-              <a:t> </a:t>
-            </a:r>
-            <a:r>
-              <a:rPr lang="it-IT" dirty="0" err="1"/>
-              <a:t>amount</a:t>
-            </a:r>
-            <a:r>
-              <a:rPr lang="it-IT" dirty="0"/>
-              <a:t> of </a:t>
-            </a:r>
-            <a:r>
-              <a:rPr lang="it-IT" dirty="0" err="1"/>
-              <a:t>sender</a:t>
-            </a:r>
-            <a:r>
-              <a:rPr lang="it-IT" dirty="0"/>
-              <a:t> </a:t>
-            </a:r>
-            <a:r>
-              <a:rPr lang="it-IT" dirty="0" err="1"/>
-              <a:t>traffic</a:t>
-            </a:r>
-            <a:r>
-              <a:rPr lang="it-IT" dirty="0"/>
-              <a:t>, </a:t>
-            </a:r>
-            <a:r>
-              <a:rPr lang="it-IT" dirty="0" err="1"/>
-              <a:t>evaluate</a:t>
-            </a:r>
-            <a:r>
-              <a:rPr lang="it-IT" dirty="0"/>
-              <a:t> the bit rate (0.1 sec) for the 6 IP </a:t>
-            </a:r>
-            <a:r>
-              <a:rPr lang="it-IT" dirty="0" err="1"/>
-              <a:t>addresses</a:t>
-            </a:r>
-            <a:r>
-              <a:rPr lang="it-IT" dirty="0"/>
-              <a:t> </a:t>
-            </a:r>
-            <a:r>
-              <a:rPr lang="it-IT" dirty="0" err="1"/>
-              <a:t>mostly</a:t>
-            </a:r>
-            <a:r>
-              <a:rPr lang="it-IT" dirty="0"/>
-              <a:t> </a:t>
-            </a:r>
-            <a:r>
-              <a:rPr lang="it-IT" dirty="0" err="1"/>
-              <a:t>used</a:t>
-            </a:r>
-            <a:r>
-              <a:rPr lang="it-IT" dirty="0"/>
-              <a:t> </a:t>
-            </a:r>
-            <a:r>
-              <a:rPr lang="it-IT" dirty="0" err="1"/>
-              <a:t>as</a:t>
-            </a:r>
-            <a:r>
-              <a:rPr lang="it-IT" dirty="0"/>
-              <a:t> endpoint</a:t>
-            </a:r>
-          </a:p>
-          <a:p>
-            <a:pPr marL="857250" lvl="1" indent="-457200">
-              <a:buAutoNum type="arabicParenR"/>
-            </a:pPr>
-            <a:endParaRPr lang="it-IT" dirty="0"/>
-          </a:p>
-          <a:p>
-            <a:pPr marL="857250" lvl="1" indent="-457200">
-              <a:buAutoNum type="arabicParenR"/>
-            </a:pPr>
-            <a:r>
-              <a:rPr lang="it-IT" dirty="0"/>
-              <a:t>Top 5 </a:t>
-            </a:r>
-            <a:r>
-              <a:rPr lang="it-IT" dirty="0" err="1"/>
-              <a:t>Destination</a:t>
-            </a:r>
-            <a:r>
-              <a:rPr lang="it-IT" dirty="0"/>
-              <a:t> IP (</a:t>
-            </a:r>
-            <a:r>
-              <a:rPr lang="it-IT" dirty="0" err="1"/>
-              <a:t>received</a:t>
-            </a:r>
-            <a:r>
-              <a:rPr lang="it-IT" dirty="0"/>
-              <a:t> bytes) and Top 5 Source IP (</a:t>
-            </a:r>
-            <a:r>
-              <a:rPr lang="it-IT" dirty="0" err="1"/>
-              <a:t>sent</a:t>
-            </a:r>
-            <a:r>
-              <a:rPr lang="it-IT" dirty="0"/>
-              <a:t> bytes)</a:t>
-            </a:r>
-          </a:p>
-          <a:p>
-            <a:pPr marL="857250" lvl="1" indent="-457200">
-              <a:buAutoNum type="arabicParenR"/>
-            </a:pPr>
-            <a:endParaRPr lang="it-IT" dirty="0"/>
-          </a:p>
-          <a:p>
-            <a:pPr marL="400050" lvl="1" indent="0">
-              <a:buNone/>
-            </a:pPr>
-            <a:endParaRPr lang="it-IT" dirty="0"/>
-          </a:p>
-          <a:p>
-            <a:pPr marL="857250" lvl="1" indent="-457200">
-              <a:buAutoNum type="arabicParenR"/>
-            </a:pPr>
-            <a:endParaRPr lang="it-IT" dirty="0"/>
-          </a:p>
-          <a:p>
-            <a:pPr marL="857250" lvl="1" indent="-457200">
-              <a:buAutoNum type="arabicParenR"/>
-            </a:pPr>
-            <a:endParaRPr lang="it-IT" dirty="0"/>
-          </a:p>
-          <a:p>
-            <a:pPr marL="857250" lvl="1" indent="-457200">
-              <a:buAutoNum type="arabicParenR"/>
-            </a:pPr>
-            <a:endParaRPr lang="it-IT" dirty="0"/>
-          </a:p>
-          <a:p>
-            <a:pPr marL="0" indent="0">
-              <a:buNone/>
-            </a:pPr>
+              <a:rPr lang="it-IT" sz="1800" dirty="0"/>
+              <a:t>(https://mawi.wide.ad.jp/mawi/samplepoint-G/2019/201904101400.html) </a:t>
+            </a:r>
             <a:endParaRPr lang="it-IT" dirty="0"/>
           </a:p>
         </p:txBody>
@@ -9697,7 +9391,7 @@
     </p:spTree>
     <p:extLst>
       <p:ext uri="{BB962C8B-B14F-4D97-AF65-F5344CB8AC3E}">
-        <p14:creationId xmlns:p14="http://schemas.microsoft.com/office/powerpoint/2010/main" val="1671780618"/>
+        <p14:creationId xmlns:p14="http://schemas.microsoft.com/office/powerpoint/2010/main" val="1699824317"/>
       </p:ext>
     </p:extLst>
   </p:cSld>
@@ -9740,7 +9434,12 @@
             <p:ph type="title"/>
           </p:nvPr>
         </p:nvSpPr>
-        <p:spPr/>
+        <p:spPr>
+          <a:xfrm>
+            <a:off x="1259632" y="980728"/>
+            <a:ext cx="7415659" cy="504825"/>
+          </a:xfrm>
+        </p:spPr>
         <p:txBody>
           <a:bodyPr/>
           <a:lstStyle/>
@@ -9770,24 +9469,28 @@
         </p:nvSpPr>
         <p:spPr>
           <a:xfrm>
-            <a:off x="179512" y="1752600"/>
-            <a:ext cx="8856984" cy="4196680"/>
+            <a:off x="257234" y="1556792"/>
+            <a:ext cx="8856984" cy="4412704"/>
           </a:xfrm>
         </p:spPr>
         <p:txBody>
           <a:bodyPr/>
           <a:lstStyle/>
           <a:p>
-            <a:pPr marL="400050" lvl="1" indent="0">
-              <a:buNone/>
-            </a:pPr>
+            <a:pPr marL="457200" indent="-457200" algn="ctr">
+              <a:buAutoNum type="alphaUcParenR"/>
+            </a:pPr>
+            <a:r>
+              <a:rPr lang="it-IT" dirty="0" err="1"/>
+              <a:t>Extract</a:t>
+            </a:r>
             <a:r>
               <a:rPr lang="it-IT" dirty="0"/>
-              <a:t>5) </a:t>
+              <a:t> 1 million of packets from the available data, replicate the statistical analysis observed </a:t>
             </a:r>
             <a:r>
               <a:rPr lang="it-IT" dirty="0" err="1"/>
-              <a:t>Evaluate</a:t>
+              <a:t>during</a:t>
             </a:r>
             <a:r>
               <a:rPr lang="it-IT" dirty="0"/>
@@ -9795,7 +9498,54 @@
             </a:r>
             <a:r>
               <a:rPr lang="it-IT" dirty="0" err="1"/>
-              <a:t>bitRate</a:t>
+              <a:t>Lecture</a:t>
+            </a:r>
+            <a:r>
+              <a:rPr lang="it-IT" dirty="0"/>
+              <a:t> 2. </a:t>
+            </a:r>
+            <a:r>
+              <a:rPr lang="it-IT" dirty="0">
+                <a:highlight>
+                  <a:srgbClr val="FFFF00"/>
+                </a:highlight>
+              </a:rPr>
+              <a:t>FOLLOW the LIST!</a:t>
+            </a:r>
+          </a:p>
+          <a:p>
+            <a:pPr marL="457200" indent="-457200" algn="ctr">
+              <a:buAutoNum type="alphaUcParenR"/>
+            </a:pPr>
+            <a:endParaRPr lang="it-IT" dirty="0">
+              <a:highlight>
+                <a:srgbClr val="FFFF00"/>
+              </a:highlight>
+            </a:endParaRPr>
+          </a:p>
+          <a:p>
+            <a:pPr marL="857250" lvl="1" indent="-457200">
+              <a:buAutoNum type="arabicParenR"/>
+            </a:pPr>
+            <a:r>
+              <a:rPr lang="it-IT" dirty="0" err="1"/>
+              <a:t>Extract</a:t>
+            </a:r>
+            <a:r>
+              <a:rPr lang="it-IT" dirty="0"/>
+              <a:t> general info from </a:t>
+            </a:r>
+            <a:r>
+              <a:rPr lang="it-IT" dirty="0" err="1"/>
+              <a:t>your</a:t>
+            </a:r>
+            <a:r>
+              <a:rPr lang="it-IT" dirty="0"/>
+              <a:t> trace </a:t>
+            </a:r>
+            <a:r>
+              <a:rPr lang="it-IT" dirty="0" err="1"/>
+              <a:t>using</a:t>
             </a:r>
             <a:r>
               <a:rPr lang="it-IT" dirty="0"/>
@@ -9803,7 +9553,30 @@
             </a:r>
             <a:r>
               <a:rPr lang="it-IT" dirty="0" err="1"/>
-              <a:t>considering</a:t>
+              <a:t>capinfos</a:t>
+            </a:r>
+            <a:r>
+              <a:rPr lang="it-IT" dirty="0"/>
+              <a:t>;</a:t>
+            </a:r>
+          </a:p>
+          <a:p>
+            <a:pPr marL="857250" lvl="1" indent="-457200">
+              <a:buAutoNum type="arabicParenR"/>
+            </a:pPr>
+            <a:endParaRPr lang="it-IT" dirty="0"/>
+          </a:p>
+          <a:p>
+            <a:pPr marL="857250" lvl="1" indent="-457200">
+              <a:buAutoNum type="arabicParenR"/>
+            </a:pPr>
+            <a:r>
+              <a:rPr lang="it-IT" dirty="0"/>
+              <a:t>Time Evaluation </a:t>
+            </a:r>
+            <a:r>
+              <a:rPr lang="it-IT" dirty="0" err="1"/>
+              <a:t>between</a:t>
             </a:r>
             <a:r>
               <a:rPr lang="it-IT" dirty="0"/>
@@ -9811,38 +9584,42 @@
             </a:r>
             <a:r>
               <a:rPr lang="it-IT" dirty="0" err="1"/>
-              <a:t>all</a:t>
+              <a:t>Sequential</a:t>
             </a:r>
             <a:r>
               <a:rPr lang="it-IT" dirty="0"/>
-              <a:t> the trace with 3 </a:t>
+              <a:t> and </a:t>
             </a:r>
             <a:r>
               <a:rPr lang="it-IT" dirty="0" err="1"/>
-              <a:t>different</a:t>
+              <a:t>Parallel</a:t>
             </a:r>
             <a:r>
               <a:rPr lang="it-IT" dirty="0"/>
-              <a:t> sampling rate</a:t>
-            </a:r>
-          </a:p>
-          <a:p>
-            <a:pPr marL="400050" lvl="1" indent="0">
-              <a:buNone/>
+              <a:t> reading;</a:t>
+            </a:r>
+          </a:p>
+          <a:p>
+            <a:pPr marL="857250" lvl="1" indent="-457200">
+              <a:buAutoNum type="arabicParenR"/>
             </a:pPr>
             <a:endParaRPr lang="it-IT" dirty="0"/>
           </a:p>
           <a:p>
-            <a:pPr marL="400050" lvl="1" indent="0">
-              <a:buNone/>
-            </a:pPr>
+            <a:pPr marL="857250" lvl="1" indent="-457200">
+              <a:buAutoNum type="arabicParenR"/>
+            </a:pPr>
+            <a:r>
+              <a:rPr lang="it-IT" dirty="0" err="1"/>
+              <a:t>Extract</a:t>
+            </a:r>
             <a:r>
               <a:rPr lang="it-IT" dirty="0"/>
-              <a:t>6) </a:t>
+              <a:t> the IP </a:t>
             </a:r>
             <a:r>
               <a:rPr lang="it-IT" dirty="0" err="1"/>
-              <a:t>GeoLocal</a:t>
+              <a:t>which</a:t>
             </a:r>
             <a:r>
               <a:rPr lang="it-IT" dirty="0"/>
@@ -9850,11 +9627,11 @@
             </a:r>
             <a:r>
               <a:rPr lang="it-IT" dirty="0" err="1"/>
-              <a:t>Referenciation</a:t>
+              <a:t>generates</a:t>
             </a:r>
             <a:r>
               <a:rPr lang="it-IT" dirty="0"/>
-              <a:t> of the 5 sessions with the </a:t>
+              <a:t> the </a:t>
             </a:r>
             <a:r>
               <a:rPr lang="it-IT" dirty="0" err="1"/>
@@ -9870,7 +9647,23 @@
             </a:r>
             <a:r>
               <a:rPr lang="it-IT" dirty="0"/>
-              <a:t> of </a:t>
+              <a:t> </a:t>
+            </a:r>
+            <a:r>
+              <a:rPr lang="it-IT" dirty="0" err="1"/>
+              <a:t>as</a:t>
+            </a:r>
+            <a:r>
+              <a:rPr lang="it-IT" dirty="0"/>
+              <a:t> </a:t>
+            </a:r>
+            <a:r>
+              <a:rPr lang="it-IT" dirty="0" err="1"/>
+              <a:t>sender</a:t>
+            </a:r>
+            <a:r>
+              <a:rPr lang="it-IT" dirty="0"/>
+              <a:t> </a:t>
             </a:r>
             <a:r>
               <a:rPr lang="it-IT" dirty="0" err="1"/>
@@ -9878,15 +9671,47 @@
             </a:r>
             <a:r>
               <a:rPr lang="it-IT" dirty="0"/>
+              <a:t>, </a:t>
+            </a:r>
+            <a:r>
+              <a:rPr lang="it-IT" dirty="0" err="1"/>
+              <a:t>evaluate</a:t>
+            </a:r>
+            <a:r>
+              <a:rPr lang="it-IT" dirty="0"/>
+              <a:t> the bit rate (0.1 sec) for the 6 IP </a:t>
+            </a:r>
+            <a:r>
+              <a:rPr lang="it-IT" dirty="0" err="1"/>
+              <a:t>addresses</a:t>
+            </a:r>
+            <a:r>
+              <a:rPr lang="it-IT" dirty="0"/>
               <a:t> </a:t>
             </a:r>
             <a:r>
               <a:rPr lang="it-IT" dirty="0" err="1"/>
-              <a:t>generated</a:t>
+              <a:t>mostly</a:t>
             </a:r>
             <a:r>
               <a:rPr lang="it-IT" dirty="0"/>
-              <a:t>;</a:t>
+              <a:t> </a:t>
+            </a:r>
+            <a:r>
+              <a:rPr lang="it-IT" dirty="0" err="1"/>
+              <a:t>used</a:t>
+            </a:r>
+            <a:r>
+              <a:rPr lang="it-IT" dirty="0"/>
+              <a:t> </a:t>
+            </a:r>
+            <a:r>
+              <a:rPr lang="it-IT" dirty="0" err="1"/>
+              <a:t>as</a:t>
+            </a:r>
+            <a:r>
+              <a:rPr lang="it-IT" dirty="0"/>
+              <a:t> endpoint</a:t>
             </a:r>
           </a:p>
           <a:p>
@@ -9896,119 +9721,41 @@
             <a:endParaRPr lang="it-IT" dirty="0"/>
           </a:p>
           <a:p>
-            <a:pPr marL="400050" lvl="1" indent="0">
-              <a:buNone/>
+            <a:pPr marL="857250" lvl="1" indent="-457200">
+              <a:buAutoNum type="arabicParenR"/>
             </a:pPr>
             <a:r>
               <a:rPr lang="it-IT" dirty="0"/>
-              <a:t>7) 10 </a:t>
+              <a:t>Top 5 </a:t>
             </a:r>
             <a:r>
               <a:rPr lang="it-IT" dirty="0" err="1"/>
-              <a:t>Protocol</a:t>
+              <a:t>Destination</a:t>
             </a:r>
             <a:r>
               <a:rPr lang="it-IT" dirty="0"/>
-              <a:t> </a:t>
+              <a:t> IP (</a:t>
             </a:r>
             <a:r>
               <a:rPr lang="it-IT" dirty="0" err="1"/>
-              <a:t>mostly</a:t>
+              <a:t>received</a:t>
             </a:r>
             <a:r>
               <a:rPr lang="it-IT" dirty="0"/>
-              <a:t> </a:t>
+              <a:t> bytes) and Top 5 Source IP (</a:t>
             </a:r>
             <a:r>
               <a:rPr lang="it-IT" dirty="0" err="1"/>
-              <a:t>used</a:t>
+              <a:t>sent</a:t>
             </a:r>
             <a:r>
               <a:rPr lang="it-IT" dirty="0"/>
-              <a:t>;</a:t>
-            </a:r>
-          </a:p>
-          <a:p>
-            <a:pPr marL="400050" lvl="1" indent="0">
-              <a:buNone/>
-            </a:pPr>
-            <a:endParaRPr lang="it-IT" dirty="0"/>
-          </a:p>
-          <a:p>
-            <a:pPr marL="400050" lvl="1" indent="0">
-              <a:buNone/>
-            </a:pPr>
-            <a:r>
-              <a:rPr lang="it-IT" dirty="0"/>
-              <a:t>8) Port Scanner </a:t>
-            </a:r>
-            <a:r>
-              <a:rPr lang="it-IT" dirty="0" err="1"/>
-              <a:t>evaluation</a:t>
-            </a:r>
-            <a:r>
-              <a:rPr lang="it-IT" dirty="0"/>
-              <a:t> (10 Ports </a:t>
-            </a:r>
-            <a:r>
-              <a:rPr lang="it-IT" dirty="0" err="1"/>
-              <a:t>mostly</a:t>
-            </a:r>
-            <a:r>
-              <a:rPr lang="it-IT" dirty="0"/>
-              <a:t> </a:t>
-            </a:r>
-            <a:r>
-              <a:rPr lang="it-IT" dirty="0" err="1"/>
-              <a:t>used</a:t>
-            </a:r>
-            <a:r>
-              <a:rPr lang="it-IT" dirty="0"/>
-              <a:t>);</a:t>
-            </a:r>
-          </a:p>
-          <a:p>
-            <a:pPr marL="400050" lvl="1" indent="0">
-              <a:buNone/>
-            </a:pPr>
-            <a:endParaRPr lang="it-IT" dirty="0"/>
-          </a:p>
-          <a:p>
-            <a:pPr marL="400050" lvl="1" indent="0">
-              <a:buNone/>
-            </a:pPr>
-            <a:r>
-              <a:rPr lang="it-IT" dirty="0"/>
-              <a:t>9) </a:t>
-            </a:r>
-            <a:r>
-              <a:rPr lang="it-IT" dirty="0" err="1"/>
-              <a:t>InterArrival</a:t>
-            </a:r>
-            <a:r>
-              <a:rPr lang="it-IT" dirty="0"/>
-              <a:t> Time </a:t>
-            </a:r>
-            <a:r>
-              <a:rPr lang="it-IT" dirty="0" err="1"/>
-              <a:t>boxplot</a:t>
-            </a:r>
-            <a:r>
-              <a:rPr lang="it-IT" dirty="0"/>
-              <a:t> </a:t>
-            </a:r>
-            <a:r>
-              <a:rPr lang="it-IT" dirty="0" err="1"/>
-              <a:t>between</a:t>
-            </a:r>
-            <a:r>
-              <a:rPr lang="it-IT" dirty="0"/>
-              <a:t> TCP and UDP Sessions;</a:t>
-            </a:r>
-          </a:p>
-          <a:p>
-            <a:pPr marL="400050" lvl="1" indent="0">
-              <a:buNone/>
+              <a:t> bytes)</a:t>
+            </a:r>
+          </a:p>
+          <a:p>
+            <a:pPr marL="857250" lvl="1" indent="-457200">
+              <a:buAutoNum type="arabicParenR"/>
             </a:pPr>
             <a:endParaRPr lang="it-IT" dirty="0"/>
           </a:p>
@@ -10047,7 +9794,7 @@
     </p:spTree>
     <p:extLst>
       <p:ext uri="{BB962C8B-B14F-4D97-AF65-F5344CB8AC3E}">
-        <p14:creationId xmlns:p14="http://schemas.microsoft.com/office/powerpoint/2010/main" val="480942248"/>
+        <p14:creationId xmlns:p14="http://schemas.microsoft.com/office/powerpoint/2010/main" val="1671780618"/>
       </p:ext>
     </p:extLst>
   </p:cSld>
@@ -10133,11 +9880,11 @@
             </a:pPr>
             <a:r>
               <a:rPr lang="it-IT" dirty="0"/>
-              <a:t>10) </a:t>
+              <a:t>5) </a:t>
             </a:r>
             <a:r>
               <a:rPr lang="it-IT" dirty="0" err="1"/>
-              <a:t>Develope</a:t>
+              <a:t>Evaluate</a:t>
             </a:r>
             <a:r>
               <a:rPr lang="it-IT" dirty="0"/>
@@ -10145,7 +9892,7 @@
             </a:r>
             <a:r>
               <a:rPr lang="it-IT" dirty="0" err="1"/>
-              <a:t>your</a:t>
+              <a:t>bitRate</a:t>
             </a:r>
             <a:r>
               <a:rPr lang="it-IT" dirty="0"/>
@@ -10153,7 +9900,7 @@
             </a:r>
             <a:r>
               <a:rPr lang="it-IT" dirty="0" err="1"/>
-              <a:t>own</a:t>
+              <a:t>considering</a:t>
             </a:r>
             <a:r>
               <a:rPr lang="it-IT" dirty="0"/>
@@ -10161,23 +9908,38 @@
             </a:r>
             <a:r>
               <a:rPr lang="it-IT" dirty="0" err="1"/>
-              <a:t>analysis</a:t>
+              <a:t>all</a:t>
             </a:r>
             <a:r>
               <a:rPr lang="it-IT" dirty="0"/>
-              <a:t> (e.g. </a:t>
+              <a:t> the trace with 3 </a:t>
             </a:r>
             <a:r>
               <a:rPr lang="it-IT" dirty="0" err="1"/>
-              <a:t>Topology</a:t>
+              <a:t>different</a:t>
             </a:r>
             <a:r>
               <a:rPr lang="it-IT" dirty="0"/>
-              <a:t> of the network </a:t>
+              <a:t> sampling rate</a:t>
+            </a:r>
+          </a:p>
+          <a:p>
+            <a:pPr marL="400050" lvl="1" indent="0">
+              <a:buNone/>
+            </a:pPr>
+            <a:endParaRPr lang="it-IT" dirty="0"/>
+          </a:p>
+          <a:p>
+            <a:pPr marL="400050" lvl="1" indent="0">
+              <a:buNone/>
+            </a:pPr>
+            <a:r>
+              <a:rPr lang="it-IT" dirty="0"/>
+              <a:t>6) </a:t>
             </a:r>
             <a:r>
               <a:rPr lang="it-IT" dirty="0" err="1"/>
-              <a:t>using</a:t>
+              <a:t>GeoLocal</a:t>
             </a:r>
             <a:r>
               <a:rPr lang="it-IT" dirty="0"/>
@@ -10185,11 +9947,97 @@
             </a:r>
             <a:r>
               <a:rPr lang="it-IT" dirty="0" err="1"/>
-              <a:t>networkx</a:t>
+              <a:t>Referenciation</a:t>
             </a:r>
             <a:r>
               <a:rPr lang="it-IT" dirty="0"/>
-              <a:t> or </a:t>
+              <a:t> of the 5 sessions with the </a:t>
+            </a:r>
+            <a:r>
+              <a:rPr lang="it-IT" dirty="0" err="1"/>
+              <a:t>highest</a:t>
+            </a:r>
+            <a:r>
+              <a:rPr lang="it-IT" dirty="0"/>
+              <a:t> </a:t>
+            </a:r>
+            <a:r>
+              <a:rPr lang="it-IT" dirty="0" err="1"/>
+              <a:t>amount</a:t>
+            </a:r>
+            <a:r>
+              <a:rPr lang="it-IT" dirty="0"/>
+              <a:t> of </a:t>
+            </a:r>
+            <a:r>
+              <a:rPr lang="it-IT" dirty="0" err="1"/>
+              <a:t>traffic</a:t>
+            </a:r>
+            <a:r>
+              <a:rPr lang="it-IT" dirty="0"/>
+              <a:t> </a:t>
+            </a:r>
+            <a:r>
+              <a:rPr lang="it-IT" dirty="0" err="1"/>
+              <a:t>generated</a:t>
+            </a:r>
+            <a:r>
+              <a:rPr lang="it-IT" dirty="0"/>
+              <a:t>;</a:t>
+            </a:r>
+          </a:p>
+          <a:p>
+            <a:pPr marL="857250" lvl="1" indent="-457200">
+              <a:buAutoNum type="arabicParenR"/>
+            </a:pPr>
+            <a:endParaRPr lang="it-IT" dirty="0"/>
+          </a:p>
+          <a:p>
+            <a:pPr marL="400050" lvl="1" indent="0">
+              <a:buNone/>
+            </a:pPr>
+            <a:r>
+              <a:rPr lang="it-IT" dirty="0"/>
+              <a:t>7) 10 </a:t>
+            </a:r>
+            <a:r>
+              <a:rPr lang="it-IT" dirty="0" err="1"/>
+              <a:t>Protocol</a:t>
+            </a:r>
+            <a:r>
+              <a:rPr lang="it-IT" dirty="0"/>
+              <a:t> </a:t>
+            </a:r>
+            <a:r>
+              <a:rPr lang="it-IT" dirty="0" err="1"/>
+              <a:t>mostly</a:t>
+            </a:r>
+            <a:r>
+              <a:rPr lang="it-IT" dirty="0"/>
+              <a:t> </a:t>
+            </a:r>
+            <a:r>
+              <a:rPr lang="it-IT" dirty="0" err="1"/>
+              <a:t>used</a:t>
+            </a:r>
+            <a:r>
+              <a:rPr lang="it-IT" dirty="0"/>
+              <a:t>;</a:t>
+            </a:r>
+          </a:p>
+          <a:p>
+            <a:pPr marL="400050" lvl="1" indent="0">
+              <a:buNone/>
+            </a:pPr>
+            <a:endParaRPr lang="it-IT" dirty="0"/>
+          </a:p>
+          <a:p>
+            <a:pPr marL="400050" lvl="1" indent="0">
+              <a:buNone/>
+            </a:pPr>
+            <a:r>
+              <a:rPr lang="it-IT" dirty="0"/>
+              <a:t>8) Port Scanner </a:t>
             </a:r>
             <a:r>
               <a:rPr lang="it-IT" dirty="0" err="1"/>
@@ -10197,19 +10045,11 @@
             </a:r>
             <a:r>
               <a:rPr lang="it-IT" dirty="0"/>
-              <a:t> </a:t>
+              <a:t> (10 Ports </a:t>
             </a:r>
             <a:r>
               <a:rPr lang="it-IT" dirty="0" err="1"/>
-              <a:t>about</a:t>
-            </a:r>
-            <a:r>
-              <a:rPr lang="it-IT" dirty="0"/>
-              <a:t> a </a:t>
-            </a:r>
-            <a:r>
-              <a:rPr lang="it-IT" dirty="0" err="1"/>
-              <a:t>variable</a:t>
+              <a:t>mostly</a:t>
             </a:r>
             <a:r>
               <a:rPr lang="it-IT" dirty="0"/>
@@ -10217,7 +10057,38 @@
             </a:r>
             <a:r>
               <a:rPr lang="it-IT" dirty="0" err="1"/>
-              <a:t>such</a:t>
+              <a:t>used</a:t>
+            </a:r>
+            <a:r>
+              <a:rPr lang="it-IT" dirty="0"/>
+              <a:t>);</a:t>
+            </a:r>
+          </a:p>
+          <a:p>
+            <a:pPr marL="400050" lvl="1" indent="0">
+              <a:buNone/>
+            </a:pPr>
+            <a:endParaRPr lang="it-IT" dirty="0"/>
+          </a:p>
+          <a:p>
+            <a:pPr marL="400050" lvl="1" indent="0">
+              <a:buNone/>
+            </a:pPr>
+            <a:r>
+              <a:rPr lang="it-IT" dirty="0"/>
+              <a:t>9) </a:t>
+            </a:r>
+            <a:r>
+              <a:rPr lang="it-IT" dirty="0" err="1"/>
+              <a:t>InterArrival</a:t>
+            </a:r>
+            <a:r>
+              <a:rPr lang="it-IT" dirty="0"/>
+              <a:t> Time </a:t>
+            </a:r>
+            <a:r>
+              <a:rPr lang="it-IT" dirty="0" err="1"/>
+              <a:t>boxplot</a:t>
             </a:r>
             <a:r>
               <a:rPr lang="it-IT" dirty="0"/>
@@ -10225,28 +10096,22 @@
             </a:r>
             <a:r>
               <a:rPr lang="it-IT" dirty="0" err="1"/>
-              <a:t>as</a:t>
+              <a:t>between</a:t>
             </a:r>
             <a:r>
               <a:rPr lang="it-IT" dirty="0"/>
-              <a:t> TTL) (</a:t>
-            </a:r>
-            <a:r>
-              <a:rPr lang="it-IT" dirty="0">
-                <a:highlight>
-                  <a:srgbClr val="FFFF00"/>
-                </a:highlight>
-              </a:rPr>
-              <a:t>BONUS</a:t>
-            </a:r>
-            <a:r>
-              <a:rPr lang="it-IT" dirty="0"/>
-              <a:t>)</a:t>
-            </a:r>
-          </a:p>
-          <a:p>
-            <a:pPr marL="857250" lvl="1" indent="-457200">
-              <a:buAutoNum type="arabicParenR"/>
+              <a:t> TCP and UDP Sessions;</a:t>
+            </a:r>
+          </a:p>
+          <a:p>
+            <a:pPr marL="400050" lvl="1" indent="0">
+              <a:buNone/>
+            </a:pPr>
+            <a:endParaRPr lang="it-IT" dirty="0"/>
+          </a:p>
+          <a:p>
+            <a:pPr marL="400050" lvl="1" indent="0">
+              <a:buNone/>
             </a:pPr>
             <a:endParaRPr lang="it-IT" dirty="0"/>
           </a:p>
@@ -10279,7 +10144,7 @@
     </p:spTree>
     <p:extLst>
       <p:ext uri="{BB962C8B-B14F-4D97-AF65-F5344CB8AC3E}">
-        <p14:creationId xmlns:p14="http://schemas.microsoft.com/office/powerpoint/2010/main" val="894385872"/>
+        <p14:creationId xmlns:p14="http://schemas.microsoft.com/office/powerpoint/2010/main" val="480942248"/>
       </p:ext>
     </p:extLst>
   </p:cSld>
@@ -10352,6 +10217,238 @@
         </p:nvSpPr>
         <p:spPr>
           <a:xfrm>
+            <a:off x="179512" y="1752600"/>
+            <a:ext cx="8856984" cy="4196680"/>
+          </a:xfrm>
+        </p:spPr>
+        <p:txBody>
+          <a:bodyPr/>
+          <a:lstStyle/>
+          <a:p>
+            <a:pPr marL="400050" lvl="1" indent="0">
+              <a:buNone/>
+            </a:pPr>
+            <a:r>
+              <a:rPr lang="it-IT" dirty="0"/>
+              <a:t>10) </a:t>
+            </a:r>
+            <a:r>
+              <a:rPr lang="it-IT" dirty="0" err="1"/>
+              <a:t>Develope</a:t>
+            </a:r>
+            <a:r>
+              <a:rPr lang="it-IT" dirty="0"/>
+              <a:t> </a:t>
+            </a:r>
+            <a:r>
+              <a:rPr lang="it-IT" dirty="0" err="1"/>
+              <a:t>your</a:t>
+            </a:r>
+            <a:r>
+              <a:rPr lang="it-IT" dirty="0"/>
+              <a:t> </a:t>
+            </a:r>
+            <a:r>
+              <a:rPr lang="it-IT" dirty="0" err="1"/>
+              <a:t>own</a:t>
+            </a:r>
+            <a:r>
+              <a:rPr lang="it-IT" dirty="0"/>
+              <a:t> </a:t>
+            </a:r>
+            <a:r>
+              <a:rPr lang="it-IT" dirty="0" err="1"/>
+              <a:t>analysis</a:t>
+            </a:r>
+            <a:r>
+              <a:rPr lang="it-IT" dirty="0"/>
+              <a:t> (e.g. </a:t>
+            </a:r>
+            <a:r>
+              <a:rPr lang="it-IT" dirty="0" err="1"/>
+              <a:t>Topology</a:t>
+            </a:r>
+            <a:r>
+              <a:rPr lang="it-IT" dirty="0"/>
+              <a:t> of the network </a:t>
+            </a:r>
+            <a:r>
+              <a:rPr lang="it-IT" dirty="0" err="1"/>
+              <a:t>using</a:t>
+            </a:r>
+            <a:r>
+              <a:rPr lang="it-IT" dirty="0"/>
+              <a:t> </a:t>
+            </a:r>
+            <a:r>
+              <a:rPr lang="it-IT" dirty="0" err="1"/>
+              <a:t>networkx</a:t>
+            </a:r>
+            <a:r>
+              <a:rPr lang="it-IT" dirty="0"/>
+              <a:t> or </a:t>
+            </a:r>
+            <a:r>
+              <a:rPr lang="it-IT" dirty="0" err="1"/>
+              <a:t>evaluation</a:t>
+            </a:r>
+            <a:r>
+              <a:rPr lang="it-IT" dirty="0"/>
+              <a:t> </a:t>
+            </a:r>
+            <a:r>
+              <a:rPr lang="it-IT" dirty="0" err="1"/>
+              <a:t>about</a:t>
+            </a:r>
+            <a:r>
+              <a:rPr lang="it-IT" dirty="0"/>
+              <a:t> a </a:t>
+            </a:r>
+            <a:r>
+              <a:rPr lang="it-IT" dirty="0" err="1"/>
+              <a:t>variable</a:t>
+            </a:r>
+            <a:r>
+              <a:rPr lang="it-IT" dirty="0"/>
+              <a:t> </a:t>
+            </a:r>
+            <a:r>
+              <a:rPr lang="it-IT" dirty="0" err="1"/>
+              <a:t>such</a:t>
+            </a:r>
+            <a:r>
+              <a:rPr lang="it-IT" dirty="0"/>
+              <a:t> </a:t>
+            </a:r>
+            <a:r>
+              <a:rPr lang="it-IT" dirty="0" err="1"/>
+              <a:t>as</a:t>
+            </a:r>
+            <a:r>
+              <a:rPr lang="it-IT" dirty="0"/>
+              <a:t> TTL) (</a:t>
+            </a:r>
+            <a:r>
+              <a:rPr lang="it-IT" dirty="0">
+                <a:highlight>
+                  <a:srgbClr val="FFFF00"/>
+                </a:highlight>
+              </a:rPr>
+              <a:t>BONUS</a:t>
+            </a:r>
+            <a:r>
+              <a:rPr lang="it-IT" dirty="0"/>
+              <a:t>)</a:t>
+            </a:r>
+          </a:p>
+          <a:p>
+            <a:pPr marL="857250" lvl="1" indent="-457200">
+              <a:buAutoNum type="arabicParenR"/>
+            </a:pPr>
+            <a:endParaRPr lang="it-IT" dirty="0"/>
+          </a:p>
+          <a:p>
+            <a:pPr marL="857250" lvl="1" indent="-457200">
+              <a:buAutoNum type="arabicParenR"/>
+            </a:pPr>
+            <a:endParaRPr lang="it-IT" dirty="0"/>
+          </a:p>
+          <a:p>
+            <a:pPr marL="857250" lvl="1" indent="-457200">
+              <a:buAutoNum type="arabicParenR"/>
+            </a:pPr>
+            <a:endParaRPr lang="it-IT" dirty="0"/>
+          </a:p>
+          <a:p>
+            <a:pPr marL="857250" lvl="1" indent="-457200">
+              <a:buAutoNum type="arabicParenR"/>
+            </a:pPr>
+            <a:endParaRPr lang="it-IT" dirty="0"/>
+          </a:p>
+          <a:p>
+            <a:pPr marL="0" indent="0">
+              <a:buNone/>
+            </a:pPr>
+            <a:endParaRPr lang="it-IT" dirty="0"/>
+          </a:p>
+        </p:txBody>
+      </p:sp>
+    </p:spTree>
+    <p:extLst>
+      <p:ext uri="{BB962C8B-B14F-4D97-AF65-F5344CB8AC3E}">
+        <p14:creationId xmlns:p14="http://schemas.microsoft.com/office/powerpoint/2010/main" val="894385872"/>
+      </p:ext>
+    </p:extLst>
+  </p:cSld>
+  <p:clrMapOvr>
+    <a:masterClrMapping/>
+  </p:clrMapOvr>
+</p:sld>
+</file>
+
+<file path=ppt/slides/slide29.xml><?xml version="1.0" encoding="utf-8"?>
+<p:sld xmlns:a="http://schemas.openxmlformats.org/drawingml/2006/main" xmlns:r="http://schemas.openxmlformats.org/officeDocument/2006/relationships" xmlns:p="http://schemas.openxmlformats.org/presentationml/2006/main">
+  <p:cSld>
+    <p:spTree>
+      <p:nvGrpSpPr>
+        <p:cNvPr id="1" name=""/>
+        <p:cNvGrpSpPr/>
+        <p:nvPr/>
+      </p:nvGrpSpPr>
+      <p:grpSpPr>
+        <a:xfrm>
+          <a:off x="0" y="0"/>
+          <a:ext cx="0" cy="0"/>
+          <a:chOff x="0" y="0"/>
+          <a:chExt cx="0" cy="0"/>
+        </a:xfrm>
+      </p:grpSpPr>
+      <p:sp>
+        <p:nvSpPr>
+          <p:cNvPr id="2" name="Titolo 1">
+            <a:extLst>
+              <a:ext uri="{FF2B5EF4-FFF2-40B4-BE49-F238E27FC236}">
+                <a16:creationId xmlns:a16="http://schemas.microsoft.com/office/drawing/2014/main" id="{7855A804-757E-4B54-A4A8-A5221E526889}"/>
+              </a:ext>
+            </a:extLst>
+          </p:cNvPr>
+          <p:cNvSpPr>
+            <a:spLocks noGrp="1"/>
+          </p:cNvSpPr>
+          <p:nvPr>
+            <p:ph type="title"/>
+          </p:nvPr>
+        </p:nvSpPr>
+        <p:spPr/>
+        <p:txBody>
+          <a:bodyPr/>
+          <a:lstStyle/>
+          <a:p>
+            <a:r>
+              <a:rPr lang="it-IT" dirty="0"/>
+              <a:t>Project Assignment</a:t>
+            </a:r>
+          </a:p>
+        </p:txBody>
+      </p:sp>
+      <p:sp>
+        <p:nvSpPr>
+          <p:cNvPr id="4" name="Segnaposto contenuto 3">
+            <a:extLst>
+              <a:ext uri="{FF2B5EF4-FFF2-40B4-BE49-F238E27FC236}">
+                <a16:creationId xmlns:a16="http://schemas.microsoft.com/office/drawing/2014/main" id="{1B9F181D-C53C-4ADF-B871-B3DD739C905D}"/>
+              </a:ext>
+            </a:extLst>
+          </p:cNvPr>
+          <p:cNvSpPr>
+            <a:spLocks noGrp="1"/>
+          </p:cNvSpPr>
+          <p:nvPr>
+            <p:ph sz="half" idx="2"/>
+          </p:nvPr>
+        </p:nvSpPr>
+        <p:spPr>
+          <a:xfrm>
             <a:off x="323528" y="1752600"/>
             <a:ext cx="8568952" cy="4196680"/>
           </a:xfrm>
@@ -10547,7 +10644,169 @@
 </p:sld>
 </file>
 
-<file path=ppt/slides/slide29.xml><?xml version="1.0" encoding="utf-8"?>
+<file path=ppt/slides/slide3.xml><?xml version="1.0" encoding="utf-8"?>
+<p:sld xmlns:a="http://schemas.openxmlformats.org/drawingml/2006/main" xmlns:r="http://schemas.openxmlformats.org/officeDocument/2006/relationships" xmlns:p="http://schemas.openxmlformats.org/presentationml/2006/main">
+  <p:cSld>
+    <p:spTree>
+      <p:nvGrpSpPr>
+        <p:cNvPr id="1" name=""/>
+        <p:cNvGrpSpPr/>
+        <p:nvPr/>
+      </p:nvGrpSpPr>
+      <p:grpSpPr>
+        <a:xfrm>
+          <a:off x="0" y="0"/>
+          <a:ext cx="0" cy="0"/>
+          <a:chOff x="0" y="0"/>
+          <a:chExt cx="0" cy="0"/>
+        </a:xfrm>
+      </p:grpSpPr>
+      <p:sp>
+        <p:nvSpPr>
+          <p:cNvPr id="71" name="Title 1">
+            <a:extLst>
+              <a:ext uri="{FF2B5EF4-FFF2-40B4-BE49-F238E27FC236}">
+                <a16:creationId xmlns:a16="http://schemas.microsoft.com/office/drawing/2014/main" id="{ECFE5F78-E215-452E-B02D-49597153C527}"/>
+              </a:ext>
+            </a:extLst>
+          </p:cNvPr>
+          <p:cNvSpPr>
+            <a:spLocks noGrp="1"/>
+          </p:cNvSpPr>
+          <p:nvPr>
+            <p:ph type="title"/>
+          </p:nvPr>
+        </p:nvSpPr>
+        <p:spPr>
+          <a:xfrm>
+            <a:off x="1224345" y="1082178"/>
+            <a:ext cx="7415659" cy="504825"/>
+          </a:xfrm>
+        </p:spPr>
+        <p:txBody>
+          <a:bodyPr wrap="square" anchor="t">
+            <a:normAutofit/>
+          </a:bodyPr>
+          <a:lstStyle/>
+          <a:p>
+            <a:r>
+              <a:rPr lang="en-US" dirty="0"/>
+              <a:t>Supervised Learning</a:t>
+            </a:r>
+          </a:p>
+        </p:txBody>
+      </p:sp>
+      <p:sp>
+        <p:nvSpPr>
+          <p:cNvPr id="22530" name="Segnaposto contenuto 2">
+            <a:extLst>
+              <a:ext uri="{FF2B5EF4-FFF2-40B4-BE49-F238E27FC236}">
+                <a16:creationId xmlns:a16="http://schemas.microsoft.com/office/drawing/2014/main" id="{2CB01D02-6D42-4E8D-8544-627F15ABE9F0}"/>
+              </a:ext>
+            </a:extLst>
+          </p:cNvPr>
+          <p:cNvSpPr>
+            <a:spLocks noGrp="1"/>
+          </p:cNvSpPr>
+          <p:nvPr>
+            <p:ph type="body" sz="half" idx="1"/>
+          </p:nvPr>
+        </p:nvSpPr>
+        <p:spPr>
+          <a:xfrm>
+            <a:off x="827584" y="1752599"/>
+            <a:ext cx="3816424" cy="4114800"/>
+          </a:xfrm>
+        </p:spPr>
+        <p:txBody>
+          <a:bodyPr wrap="square" anchor="t">
+            <a:normAutofit/>
+          </a:bodyPr>
+          <a:lstStyle/>
+          <a:p>
+            <a:pPr marL="0" indent="0" algn="ctr">
+              <a:buNone/>
+            </a:pPr>
+            <a:r>
+              <a:rPr lang="en-GB" altLang="it-IT" dirty="0"/>
+              <a:t>Traffic Classification based on a specific label</a:t>
+            </a:r>
+          </a:p>
+          <a:p>
+            <a:pPr marL="0" indent="0" algn="ctr">
+              <a:buNone/>
+            </a:pPr>
+            <a:endParaRPr lang="en-GB" altLang="it-IT" dirty="0"/>
+          </a:p>
+          <a:p>
+            <a:pPr marL="0" indent="0" algn="ctr">
+              <a:buNone/>
+            </a:pPr>
+            <a:r>
+              <a:rPr lang="en-US" altLang="it-IT" dirty="0"/>
+              <a:t>Our goal is to learn a function that, given a sample of data and desired outputs, best approximates the relationship between input and output observable in the data</a:t>
+            </a:r>
+            <a:endParaRPr lang="en-GB" altLang="it-IT" dirty="0"/>
+          </a:p>
+          <a:p>
+            <a:pPr marL="0" indent="0" algn="ctr">
+              <a:buNone/>
+            </a:pPr>
+            <a:endParaRPr lang="en-GB" altLang="it-IT" dirty="0"/>
+          </a:p>
+          <a:p>
+            <a:pPr marL="0" indent="0" algn="ctr">
+              <a:buNone/>
+            </a:pPr>
+            <a:endParaRPr lang="en-GB" altLang="it-IT" dirty="0"/>
+          </a:p>
+        </p:txBody>
+      </p:sp>
+      <p:pic>
+        <p:nvPicPr>
+          <p:cNvPr id="3" name="Immagine 2">
+            <a:extLst>
+              <a:ext uri="{FF2B5EF4-FFF2-40B4-BE49-F238E27FC236}">
+                <a16:creationId xmlns:a16="http://schemas.microsoft.com/office/drawing/2014/main" id="{27D41FD3-B1B4-4D78-A5D4-49CC2FD1A288}"/>
+              </a:ext>
+            </a:extLst>
+          </p:cNvPr>
+          <p:cNvPicPr>
+            <a:picLocks noChangeAspect="1"/>
+          </p:cNvPicPr>
+          <p:nvPr/>
+        </p:nvPicPr>
+        <p:blipFill>
+          <a:blip r:embed="rId2"/>
+          <a:stretch>
+            <a:fillRect/>
+          </a:stretch>
+        </p:blipFill>
+        <p:spPr>
+          <a:xfrm>
+            <a:off x="4972050" y="2096590"/>
+            <a:ext cx="3703638" cy="3426819"/>
+          </a:xfrm>
+          <a:prstGeom prst="rect">
+            <a:avLst/>
+          </a:prstGeom>
+          <a:noFill/>
+        </p:spPr>
+      </p:pic>
+    </p:spTree>
+    <p:extLst>
+      <p:ext uri="{BB962C8B-B14F-4D97-AF65-F5344CB8AC3E}">
+        <p14:creationId xmlns:p14="http://schemas.microsoft.com/office/powerpoint/2010/main" val="3319906533"/>
+      </p:ext>
+    </p:extLst>
+  </p:cSld>
+  <p:clrMapOvr>
+    <a:masterClrMapping/>
+  </p:clrMapOvr>
+</p:sld>
+</file>
+
+<file path=ppt/slides/slide30.xml><?xml version="1.0" encoding="utf-8"?>
 <p:sld xmlns:a="http://schemas.openxmlformats.org/drawingml/2006/main" xmlns:r="http://schemas.openxmlformats.org/officeDocument/2006/relationships" xmlns:p="http://schemas.openxmlformats.org/presentationml/2006/main">
   <p:cSld>
     <p:spTree>
@@ -10868,168 +11127,6 @@
     <p:extLst>
       <p:ext uri="{BB962C8B-B14F-4D97-AF65-F5344CB8AC3E}">
         <p14:creationId xmlns:p14="http://schemas.microsoft.com/office/powerpoint/2010/main" val="3188264455"/>
-      </p:ext>
-    </p:extLst>
-  </p:cSld>
-  <p:clrMapOvr>
-    <a:masterClrMapping/>
-  </p:clrMapOvr>
-</p:sld>
-</file>
-
-<file path=ppt/slides/slide3.xml><?xml version="1.0" encoding="utf-8"?>
-<p:sld xmlns:a="http://schemas.openxmlformats.org/drawingml/2006/main" xmlns:r="http://schemas.openxmlformats.org/officeDocument/2006/relationships" xmlns:p="http://schemas.openxmlformats.org/presentationml/2006/main">
-  <p:cSld>
-    <p:spTree>
-      <p:nvGrpSpPr>
-        <p:cNvPr id="1" name=""/>
-        <p:cNvGrpSpPr/>
-        <p:nvPr/>
-      </p:nvGrpSpPr>
-      <p:grpSpPr>
-        <a:xfrm>
-          <a:off x="0" y="0"/>
-          <a:ext cx="0" cy="0"/>
-          <a:chOff x="0" y="0"/>
-          <a:chExt cx="0" cy="0"/>
-        </a:xfrm>
-      </p:grpSpPr>
-      <p:sp>
-        <p:nvSpPr>
-          <p:cNvPr id="71" name="Title 1">
-            <a:extLst>
-              <a:ext uri="{FF2B5EF4-FFF2-40B4-BE49-F238E27FC236}">
-                <a16:creationId xmlns:a16="http://schemas.microsoft.com/office/drawing/2014/main" id="{ECFE5F78-E215-452E-B02D-49597153C527}"/>
-              </a:ext>
-            </a:extLst>
-          </p:cNvPr>
-          <p:cNvSpPr>
-            <a:spLocks noGrp="1"/>
-          </p:cNvSpPr>
-          <p:nvPr>
-            <p:ph type="title"/>
-          </p:nvPr>
-        </p:nvSpPr>
-        <p:spPr>
-          <a:xfrm>
-            <a:off x="1224345" y="1082178"/>
-            <a:ext cx="7415659" cy="504825"/>
-          </a:xfrm>
-        </p:spPr>
-        <p:txBody>
-          <a:bodyPr wrap="square" anchor="t">
-            <a:normAutofit/>
-          </a:bodyPr>
-          <a:lstStyle/>
-          <a:p>
-            <a:r>
-              <a:rPr lang="en-US" dirty="0"/>
-              <a:t>Supervised Learning</a:t>
-            </a:r>
-          </a:p>
-        </p:txBody>
-      </p:sp>
-      <p:sp>
-        <p:nvSpPr>
-          <p:cNvPr id="22530" name="Segnaposto contenuto 2">
-            <a:extLst>
-              <a:ext uri="{FF2B5EF4-FFF2-40B4-BE49-F238E27FC236}">
-                <a16:creationId xmlns:a16="http://schemas.microsoft.com/office/drawing/2014/main" id="{2CB01D02-6D42-4E8D-8544-627F15ABE9F0}"/>
-              </a:ext>
-            </a:extLst>
-          </p:cNvPr>
-          <p:cNvSpPr>
-            <a:spLocks noGrp="1"/>
-          </p:cNvSpPr>
-          <p:nvPr>
-            <p:ph type="body" sz="half" idx="1"/>
-          </p:nvPr>
-        </p:nvSpPr>
-        <p:spPr>
-          <a:xfrm>
-            <a:off x="827584" y="1752599"/>
-            <a:ext cx="3816424" cy="4114800"/>
-          </a:xfrm>
-        </p:spPr>
-        <p:txBody>
-          <a:bodyPr wrap="square" anchor="t">
-            <a:normAutofit/>
-          </a:bodyPr>
-          <a:lstStyle/>
-          <a:p>
-            <a:pPr marL="0" indent="0" algn="ctr">
-              <a:buNone/>
-            </a:pPr>
-            <a:r>
-              <a:rPr lang="en-GB" altLang="it-IT" dirty="0"/>
-              <a:t>Traffic Classification based on a specific label</a:t>
-            </a:r>
-          </a:p>
-          <a:p>
-            <a:pPr marL="0" indent="0" algn="ctr">
-              <a:buNone/>
-            </a:pPr>
-            <a:endParaRPr lang="en-GB" altLang="it-IT" dirty="0"/>
-          </a:p>
-          <a:p>
-            <a:pPr marL="0" indent="0" algn="ctr">
-              <a:buNone/>
-            </a:pPr>
-            <a:r>
-              <a:rPr lang="en-US" altLang="it-IT" dirty="0"/>
-              <a:t>Our goal is to learn a function that, given a sample of data and desired outputs, best approximates the relationship between input and output observable in the data</a:t>
-            </a:r>
-            <a:endParaRPr lang="en-GB" altLang="it-IT" dirty="0"/>
-          </a:p>
-          <a:p>
-            <a:pPr marL="0" indent="0" algn="ctr">
-              <a:buNone/>
-            </a:pPr>
-            <a:endParaRPr lang="en-GB" altLang="it-IT" dirty="0"/>
-          </a:p>
-          <a:p>
-            <a:pPr marL="0" indent="0" algn="ctr">
-              <a:buNone/>
-            </a:pPr>
-            <a:endParaRPr lang="en-GB" altLang="it-IT" dirty="0"/>
-          </a:p>
-        </p:txBody>
-      </p:sp>
-      <p:pic>
-        <p:nvPicPr>
-          <p:cNvPr id="3" name="Immagine 2">
-            <a:extLst>
-              <a:ext uri="{FF2B5EF4-FFF2-40B4-BE49-F238E27FC236}">
-                <a16:creationId xmlns:a16="http://schemas.microsoft.com/office/drawing/2014/main" id="{27D41FD3-B1B4-4D78-A5D4-49CC2FD1A288}"/>
-              </a:ext>
-            </a:extLst>
-          </p:cNvPr>
-          <p:cNvPicPr>
-            <a:picLocks noChangeAspect="1"/>
-          </p:cNvPicPr>
-          <p:nvPr/>
-        </p:nvPicPr>
-        <p:blipFill>
-          <a:blip r:embed="rId2"/>
-          <a:stretch>
-            <a:fillRect/>
-          </a:stretch>
-        </p:blipFill>
-        <p:spPr>
-          <a:xfrm>
-            <a:off x="4972050" y="2096590"/>
-            <a:ext cx="3703638" cy="3426819"/>
-          </a:xfrm>
-          <a:prstGeom prst="rect">
-            <a:avLst/>
-          </a:prstGeom>
-          <a:noFill/>
-        </p:spPr>
-      </p:pic>
-    </p:spTree>
-    <p:extLst>
-      <p:ext uri="{BB962C8B-B14F-4D97-AF65-F5344CB8AC3E}">
-        <p14:creationId xmlns:p14="http://schemas.microsoft.com/office/powerpoint/2010/main" val="3319906533"/>
       </p:ext>
     </p:extLst>
   </p:cSld>
